--- a/Resource maker.pptx
+++ b/Resource maker.pptx
@@ -2,18 +2,18 @@
 <file path=ppt/presentation.xml><?xml version="1.0" encoding="utf-8"?>
 <p:presentation xmlns:a="http://schemas.openxmlformats.org/drawingml/2006/main" xmlns:r="http://schemas.openxmlformats.org/officeDocument/2006/relationships" xmlns:p="http://schemas.openxmlformats.org/presentationml/2006/main" saveSubsetFonts="1" autoCompressPictures="0">
   <p:sldMasterIdLst>
-    <p:sldMasterId id="2147483648" r:id="rId1"/>
+    <p:sldMasterId id="2147483660" r:id="rId1"/>
   </p:sldMasterIdLst>
   <p:sldIdLst>
     <p:sldId id="256" r:id="rId2"/>
   </p:sldIdLst>
-  <p:sldSz cx="12192000" cy="6858000"/>
+  <p:sldSz cx="3600450" cy="2519363"/>
   <p:notesSz cx="6858000" cy="9144000"/>
   <p:defaultTextStyle>
     <a:defPPr>
-      <a:defRPr lang="en-CN"/>
+      <a:defRPr lang="en-US"/>
     </a:defPPr>
-    <a:lvl1pPr marL="0" algn="l" defTabSz="914400" rtl="0" eaLnBrk="1" latinLnBrk="0" hangingPunct="1">
+    <a:lvl1pPr marL="0" algn="l" defTabSz="457200" rtl="0" eaLnBrk="1" latinLnBrk="0" hangingPunct="1">
       <a:defRPr sz="1800" kern="1200">
         <a:solidFill>
           <a:schemeClr val="tx1"/>
@@ -23,7 +23,7 @@
         <a:cs typeface="+mn-cs"/>
       </a:defRPr>
     </a:lvl1pPr>
-    <a:lvl2pPr marL="457200" algn="l" defTabSz="914400" rtl="0" eaLnBrk="1" latinLnBrk="0" hangingPunct="1">
+    <a:lvl2pPr marL="457200" algn="l" defTabSz="457200" rtl="0" eaLnBrk="1" latinLnBrk="0" hangingPunct="1">
       <a:defRPr sz="1800" kern="1200">
         <a:solidFill>
           <a:schemeClr val="tx1"/>
@@ -33,7 +33,7 @@
         <a:cs typeface="+mn-cs"/>
       </a:defRPr>
     </a:lvl2pPr>
-    <a:lvl3pPr marL="914400" algn="l" defTabSz="914400" rtl="0" eaLnBrk="1" latinLnBrk="0" hangingPunct="1">
+    <a:lvl3pPr marL="914400" algn="l" defTabSz="457200" rtl="0" eaLnBrk="1" latinLnBrk="0" hangingPunct="1">
       <a:defRPr sz="1800" kern="1200">
         <a:solidFill>
           <a:schemeClr val="tx1"/>
@@ -43,7 +43,7 @@
         <a:cs typeface="+mn-cs"/>
       </a:defRPr>
     </a:lvl3pPr>
-    <a:lvl4pPr marL="1371600" algn="l" defTabSz="914400" rtl="0" eaLnBrk="1" latinLnBrk="0" hangingPunct="1">
+    <a:lvl4pPr marL="1371600" algn="l" defTabSz="457200" rtl="0" eaLnBrk="1" latinLnBrk="0" hangingPunct="1">
       <a:defRPr sz="1800" kern="1200">
         <a:solidFill>
           <a:schemeClr val="tx1"/>
@@ -53,7 +53,7 @@
         <a:cs typeface="+mn-cs"/>
       </a:defRPr>
     </a:lvl4pPr>
-    <a:lvl5pPr marL="1828800" algn="l" defTabSz="914400" rtl="0" eaLnBrk="1" latinLnBrk="0" hangingPunct="1">
+    <a:lvl5pPr marL="1828800" algn="l" defTabSz="457200" rtl="0" eaLnBrk="1" latinLnBrk="0" hangingPunct="1">
       <a:defRPr sz="1800" kern="1200">
         <a:solidFill>
           <a:schemeClr val="tx1"/>
@@ -63,7 +63,7 @@
         <a:cs typeface="+mn-cs"/>
       </a:defRPr>
     </a:lvl5pPr>
-    <a:lvl6pPr marL="2286000" algn="l" defTabSz="914400" rtl="0" eaLnBrk="1" latinLnBrk="0" hangingPunct="1">
+    <a:lvl6pPr marL="2286000" algn="l" defTabSz="457200" rtl="0" eaLnBrk="1" latinLnBrk="0" hangingPunct="1">
       <a:defRPr sz="1800" kern="1200">
         <a:solidFill>
           <a:schemeClr val="tx1"/>
@@ -73,7 +73,7 @@
         <a:cs typeface="+mn-cs"/>
       </a:defRPr>
     </a:lvl6pPr>
-    <a:lvl7pPr marL="2743200" algn="l" defTabSz="914400" rtl="0" eaLnBrk="1" latinLnBrk="0" hangingPunct="1">
+    <a:lvl7pPr marL="2743200" algn="l" defTabSz="457200" rtl="0" eaLnBrk="1" latinLnBrk="0" hangingPunct="1">
       <a:defRPr sz="1800" kern="1200">
         <a:solidFill>
           <a:schemeClr val="tx1"/>
@@ -83,7 +83,7 @@
         <a:cs typeface="+mn-cs"/>
       </a:defRPr>
     </a:lvl7pPr>
-    <a:lvl8pPr marL="3200400" algn="l" defTabSz="914400" rtl="0" eaLnBrk="1" latinLnBrk="0" hangingPunct="1">
+    <a:lvl8pPr marL="3200400" algn="l" defTabSz="457200" rtl="0" eaLnBrk="1" latinLnBrk="0" hangingPunct="1">
       <a:defRPr sz="1800" kern="1200">
         <a:solidFill>
           <a:schemeClr val="tx1"/>
@@ -93,7 +93,7 @@
         <a:cs typeface="+mn-cs"/>
       </a:defRPr>
     </a:lvl8pPr>
-    <a:lvl9pPr marL="3657600" algn="l" defTabSz="914400" rtl="0" eaLnBrk="1" latinLnBrk="0" hangingPunct="1">
+    <a:lvl9pPr marL="3657600" algn="l" defTabSz="457200" rtl="0" eaLnBrk="1" latinLnBrk="0" hangingPunct="1">
       <a:defRPr sz="1800" kern="1200">
         <a:solidFill>
           <a:schemeClr val="tx1"/>
@@ -131,13 +131,7 @@
       </p:grpSpPr>
       <p:sp>
         <p:nvSpPr>
-          <p:cNvPr id="2" name="Title 1">
-            <a:extLst>
-              <a:ext uri="{FF2B5EF4-FFF2-40B4-BE49-F238E27FC236}">
-                <a16:creationId xmlns:a16="http://schemas.microsoft.com/office/drawing/2014/main" id="{CFC7DCDE-6740-B47E-9A9C-D7D033433507}"/>
-              </a:ext>
-            </a:extLst>
-          </p:cNvPr>
+          <p:cNvPr id="2" name="Title 1"/>
           <p:cNvSpPr>
             <a:spLocks noGrp="1"/>
           </p:cNvSpPr>
@@ -147,15 +141,15 @@
         </p:nvSpPr>
         <p:spPr>
           <a:xfrm>
-            <a:off x="1524000" y="1122363"/>
-            <a:ext cx="9144000" cy="2387600"/>
+            <a:off x="270034" y="412312"/>
+            <a:ext cx="3060383" cy="877112"/>
           </a:xfrm>
         </p:spPr>
         <p:txBody>
           <a:bodyPr anchor="b"/>
           <a:lstStyle>
             <a:lvl1pPr algn="ctr">
-              <a:defRPr sz="6000"/>
+              <a:defRPr sz="2204"/>
             </a:lvl1pPr>
           </a:lstStyle>
           <a:p>
@@ -163,19 +157,13 @@
               <a:rPr lang="en-US"/>
               <a:t>Click to edit Master title style</a:t>
             </a:r>
-            <a:endParaRPr lang="en-CN"/>
-          </a:p>
-        </p:txBody>
-      </p:sp>
-      <p:sp>
-        <p:nvSpPr>
-          <p:cNvPr id="3" name="Subtitle 2">
-            <a:extLst>
-              <a:ext uri="{FF2B5EF4-FFF2-40B4-BE49-F238E27FC236}">
-                <a16:creationId xmlns:a16="http://schemas.microsoft.com/office/drawing/2014/main" id="{BD32DA27-8670-F5F0-96AD-A1B5C4B15823}"/>
-              </a:ext>
-            </a:extLst>
-          </p:cNvPr>
+            <a:endParaRPr lang="en-US" dirty="0"/>
+          </a:p>
+        </p:txBody>
+      </p:sp>
+      <p:sp>
+        <p:nvSpPr>
+          <p:cNvPr id="3" name="Subtitle 2"/>
           <p:cNvSpPr>
             <a:spLocks noGrp="1"/>
           </p:cNvSpPr>
@@ -185,8 +173,8 @@
         </p:nvSpPr>
         <p:spPr>
           <a:xfrm>
-            <a:off x="1524000" y="3602038"/>
-            <a:ext cx="9144000" cy="1655762"/>
+            <a:off x="450056" y="1323249"/>
+            <a:ext cx="2700338" cy="608263"/>
           </a:xfrm>
         </p:spPr>
         <p:txBody>
@@ -194,39 +182,39 @@
           <a:lstStyle>
             <a:lvl1pPr marL="0" indent="0" algn="ctr">
               <a:buNone/>
-              <a:defRPr sz="2400"/>
+              <a:defRPr sz="882"/>
             </a:lvl1pPr>
-            <a:lvl2pPr marL="457200" indent="0" algn="ctr">
-              <a:buNone/>
-              <a:defRPr sz="2000"/>
+            <a:lvl2pPr marL="167975" indent="0" algn="ctr">
+              <a:buNone/>
+              <a:defRPr sz="735"/>
             </a:lvl2pPr>
-            <a:lvl3pPr marL="914400" indent="0" algn="ctr">
-              <a:buNone/>
-              <a:defRPr sz="1800"/>
+            <a:lvl3pPr marL="335951" indent="0" algn="ctr">
+              <a:buNone/>
+              <a:defRPr sz="661"/>
             </a:lvl3pPr>
-            <a:lvl4pPr marL="1371600" indent="0" algn="ctr">
-              <a:buNone/>
-              <a:defRPr sz="1600"/>
+            <a:lvl4pPr marL="503926" indent="0" algn="ctr">
+              <a:buNone/>
+              <a:defRPr sz="588"/>
             </a:lvl4pPr>
-            <a:lvl5pPr marL="1828800" indent="0" algn="ctr">
-              <a:buNone/>
-              <a:defRPr sz="1600"/>
+            <a:lvl5pPr marL="671901" indent="0" algn="ctr">
+              <a:buNone/>
+              <a:defRPr sz="588"/>
             </a:lvl5pPr>
-            <a:lvl6pPr marL="2286000" indent="0" algn="ctr">
-              <a:buNone/>
-              <a:defRPr sz="1600"/>
+            <a:lvl6pPr marL="839876" indent="0" algn="ctr">
+              <a:buNone/>
+              <a:defRPr sz="588"/>
             </a:lvl6pPr>
-            <a:lvl7pPr marL="2743200" indent="0" algn="ctr">
-              <a:buNone/>
-              <a:defRPr sz="1600"/>
+            <a:lvl7pPr marL="1007852" indent="0" algn="ctr">
+              <a:buNone/>
+              <a:defRPr sz="588"/>
             </a:lvl7pPr>
-            <a:lvl8pPr marL="3200400" indent="0" algn="ctr">
-              <a:buNone/>
-              <a:defRPr sz="1600"/>
+            <a:lvl8pPr marL="1175827" indent="0" algn="ctr">
+              <a:buNone/>
+              <a:defRPr sz="588"/>
             </a:lvl8pPr>
-            <a:lvl9pPr marL="3657600" indent="0" algn="ctr">
-              <a:buNone/>
-              <a:defRPr sz="1600"/>
+            <a:lvl9pPr marL="1343802" indent="0" algn="ctr">
+              <a:buNone/>
+              <a:defRPr sz="588"/>
             </a:lvl9pPr>
           </a:lstStyle>
           <a:p>
@@ -234,19 +222,13 @@
               <a:rPr lang="en-US"/>
               <a:t>Click to edit Master subtitle style</a:t>
             </a:r>
-            <a:endParaRPr lang="en-CN"/>
-          </a:p>
-        </p:txBody>
-      </p:sp>
-      <p:sp>
-        <p:nvSpPr>
-          <p:cNvPr id="4" name="Date Placeholder 3">
-            <a:extLst>
-              <a:ext uri="{FF2B5EF4-FFF2-40B4-BE49-F238E27FC236}">
-                <a16:creationId xmlns:a16="http://schemas.microsoft.com/office/drawing/2014/main" id="{8EB14E9C-21D9-39B0-526A-4C80B4071476}"/>
-              </a:ext>
-            </a:extLst>
-          </p:cNvPr>
+            <a:endParaRPr lang="en-US" dirty="0"/>
+          </a:p>
+        </p:txBody>
+      </p:sp>
+      <p:sp>
+        <p:nvSpPr>
+          <p:cNvPr id="4" name="Date Placeholder 3"/>
           <p:cNvSpPr>
             <a:spLocks noGrp="1"/>
           </p:cNvSpPr>
@@ -261,7 +243,7 @@
           <a:p>
             <a:fld id="{DB444E9D-F90D-0145-811E-74FF77FAAD65}" type="datetimeFigureOut">
               <a:rPr lang="en-CN" smtClean="0"/>
-              <a:t>2025/4/13</a:t>
+              <a:t>2025/4/16</a:t>
             </a:fld>
             <a:endParaRPr lang="en-CN"/>
           </a:p>
@@ -269,13 +251,7 @@
       </p:sp>
       <p:sp>
         <p:nvSpPr>
-          <p:cNvPr id="5" name="Footer Placeholder 4">
-            <a:extLst>
-              <a:ext uri="{FF2B5EF4-FFF2-40B4-BE49-F238E27FC236}">
-                <a16:creationId xmlns:a16="http://schemas.microsoft.com/office/drawing/2014/main" id="{0CFFD0D2-3CE3-FF9B-52BE-E78B2AAA4797}"/>
-              </a:ext>
-            </a:extLst>
-          </p:cNvPr>
+          <p:cNvPr id="5" name="Footer Placeholder 4"/>
           <p:cNvSpPr>
             <a:spLocks noGrp="1"/>
           </p:cNvSpPr>
@@ -294,13 +270,7 @@
       </p:sp>
       <p:sp>
         <p:nvSpPr>
-          <p:cNvPr id="6" name="Slide Number Placeholder 5">
-            <a:extLst>
-              <a:ext uri="{FF2B5EF4-FFF2-40B4-BE49-F238E27FC236}">
-                <a16:creationId xmlns:a16="http://schemas.microsoft.com/office/drawing/2014/main" id="{FAE3E8F2-D7B2-4E41-57EB-6D26C323E233}"/>
-              </a:ext>
-            </a:extLst>
-          </p:cNvPr>
+          <p:cNvPr id="6" name="Slide Number Placeholder 5"/>
           <p:cNvSpPr>
             <a:spLocks noGrp="1"/>
           </p:cNvSpPr>
@@ -324,7 +294,7 @@
     </p:spTree>
     <p:extLst>
       <p:ext uri="{BB962C8B-B14F-4D97-AF65-F5344CB8AC3E}">
-        <p14:creationId xmlns:p14="http://schemas.microsoft.com/office/powerpoint/2010/main" val="1998740000"/>
+        <p14:creationId xmlns:p14="http://schemas.microsoft.com/office/powerpoint/2010/main" val="2972229923"/>
       </p:ext>
     </p:extLst>
   </p:cSld>
@@ -353,13 +323,7 @@
       </p:grpSpPr>
       <p:sp>
         <p:nvSpPr>
-          <p:cNvPr id="2" name="Title 1">
-            <a:extLst>
-              <a:ext uri="{FF2B5EF4-FFF2-40B4-BE49-F238E27FC236}">
-                <a16:creationId xmlns:a16="http://schemas.microsoft.com/office/drawing/2014/main" id="{25212F15-ED34-F9F3-5176-A7A7AEDA59F5}"/>
-              </a:ext>
-            </a:extLst>
-          </p:cNvPr>
+          <p:cNvPr id="2" name="Title 1"/>
           <p:cNvSpPr>
             <a:spLocks noGrp="1"/>
           </p:cNvSpPr>
@@ -376,19 +340,13 @@
               <a:rPr lang="en-US"/>
               <a:t>Click to edit Master title style</a:t>
             </a:r>
-            <a:endParaRPr lang="en-CN"/>
-          </a:p>
-        </p:txBody>
-      </p:sp>
-      <p:sp>
-        <p:nvSpPr>
-          <p:cNvPr id="3" name="Vertical Text Placeholder 2">
-            <a:extLst>
-              <a:ext uri="{FF2B5EF4-FFF2-40B4-BE49-F238E27FC236}">
-                <a16:creationId xmlns:a16="http://schemas.microsoft.com/office/drawing/2014/main" id="{FCA165D2-DEF5-CE14-6CE6-F264BBBB9EE4}"/>
-              </a:ext>
-            </a:extLst>
-          </p:cNvPr>
+            <a:endParaRPr lang="en-US" dirty="0"/>
+          </a:p>
+        </p:txBody>
+      </p:sp>
+      <p:sp>
+        <p:nvSpPr>
+          <p:cNvPr id="3" name="Vertical Text Placeholder 2"/>
           <p:cNvSpPr>
             <a:spLocks noGrp="1"/>
           </p:cNvSpPr>
@@ -434,19 +392,13 @@
               <a:rPr lang="en-US"/>
               <a:t>Fifth level</a:t>
             </a:r>
-            <a:endParaRPr lang="en-CN"/>
-          </a:p>
-        </p:txBody>
-      </p:sp>
-      <p:sp>
-        <p:nvSpPr>
-          <p:cNvPr id="4" name="Date Placeholder 3">
-            <a:extLst>
-              <a:ext uri="{FF2B5EF4-FFF2-40B4-BE49-F238E27FC236}">
-                <a16:creationId xmlns:a16="http://schemas.microsoft.com/office/drawing/2014/main" id="{D3949F7A-F33A-3515-8348-E31B9AB123D7}"/>
-              </a:ext>
-            </a:extLst>
-          </p:cNvPr>
+            <a:endParaRPr lang="en-US" dirty="0"/>
+          </a:p>
+        </p:txBody>
+      </p:sp>
+      <p:sp>
+        <p:nvSpPr>
+          <p:cNvPr id="4" name="Date Placeholder 3"/>
           <p:cNvSpPr>
             <a:spLocks noGrp="1"/>
           </p:cNvSpPr>
@@ -461,7 +413,7 @@
           <a:p>
             <a:fld id="{DB444E9D-F90D-0145-811E-74FF77FAAD65}" type="datetimeFigureOut">
               <a:rPr lang="en-CN" smtClean="0"/>
-              <a:t>2025/4/13</a:t>
+              <a:t>2025/4/16</a:t>
             </a:fld>
             <a:endParaRPr lang="en-CN"/>
           </a:p>
@@ -469,13 +421,7 @@
       </p:sp>
       <p:sp>
         <p:nvSpPr>
-          <p:cNvPr id="5" name="Footer Placeholder 4">
-            <a:extLst>
-              <a:ext uri="{FF2B5EF4-FFF2-40B4-BE49-F238E27FC236}">
-                <a16:creationId xmlns:a16="http://schemas.microsoft.com/office/drawing/2014/main" id="{6A31B6CE-AC55-7536-BAF2-5799AA0C966B}"/>
-              </a:ext>
-            </a:extLst>
-          </p:cNvPr>
+          <p:cNvPr id="5" name="Footer Placeholder 4"/>
           <p:cNvSpPr>
             <a:spLocks noGrp="1"/>
           </p:cNvSpPr>
@@ -494,13 +440,7 @@
       </p:sp>
       <p:sp>
         <p:nvSpPr>
-          <p:cNvPr id="6" name="Slide Number Placeholder 5">
-            <a:extLst>
-              <a:ext uri="{FF2B5EF4-FFF2-40B4-BE49-F238E27FC236}">
-                <a16:creationId xmlns:a16="http://schemas.microsoft.com/office/drawing/2014/main" id="{821E4738-4BAA-728E-F1F9-0B82C3778FBF}"/>
-              </a:ext>
-            </a:extLst>
-          </p:cNvPr>
+          <p:cNvPr id="6" name="Slide Number Placeholder 5"/>
           <p:cNvSpPr>
             <a:spLocks noGrp="1"/>
           </p:cNvSpPr>
@@ -524,7 +464,7 @@
     </p:spTree>
     <p:extLst>
       <p:ext uri="{BB962C8B-B14F-4D97-AF65-F5344CB8AC3E}">
-        <p14:creationId xmlns:p14="http://schemas.microsoft.com/office/powerpoint/2010/main" val="106384240"/>
+        <p14:creationId xmlns:p14="http://schemas.microsoft.com/office/powerpoint/2010/main" val="1458285883"/>
       </p:ext>
     </p:extLst>
   </p:cSld>
@@ -553,13 +493,7 @@
       </p:grpSpPr>
       <p:sp>
         <p:nvSpPr>
-          <p:cNvPr id="2" name="Vertical Title 1">
-            <a:extLst>
-              <a:ext uri="{FF2B5EF4-FFF2-40B4-BE49-F238E27FC236}">
-                <a16:creationId xmlns:a16="http://schemas.microsoft.com/office/drawing/2014/main" id="{742C38A7-1995-0C77-6FFD-9D890FB5F489}"/>
-              </a:ext>
-            </a:extLst>
-          </p:cNvPr>
+          <p:cNvPr id="2" name="Vertical Title 1"/>
           <p:cNvSpPr>
             <a:spLocks noGrp="1"/>
           </p:cNvSpPr>
@@ -569,8 +503,8 @@
         </p:nvSpPr>
         <p:spPr>
           <a:xfrm>
-            <a:off x="8724900" y="365125"/>
-            <a:ext cx="2628900" cy="5811838"/>
+            <a:off x="2576572" y="134133"/>
+            <a:ext cx="776347" cy="2135044"/>
           </a:xfrm>
         </p:spPr>
         <p:txBody>
@@ -581,19 +515,13 @@
               <a:rPr lang="en-US"/>
               <a:t>Click to edit Master title style</a:t>
             </a:r>
-            <a:endParaRPr lang="en-CN"/>
-          </a:p>
-        </p:txBody>
-      </p:sp>
-      <p:sp>
-        <p:nvSpPr>
-          <p:cNvPr id="3" name="Vertical Text Placeholder 2">
-            <a:extLst>
-              <a:ext uri="{FF2B5EF4-FFF2-40B4-BE49-F238E27FC236}">
-                <a16:creationId xmlns:a16="http://schemas.microsoft.com/office/drawing/2014/main" id="{D95C88EE-5AEF-F871-D4D7-A9F631E1043B}"/>
-              </a:ext>
-            </a:extLst>
-          </p:cNvPr>
+            <a:endParaRPr lang="en-US" dirty="0"/>
+          </a:p>
+        </p:txBody>
+      </p:sp>
+      <p:sp>
+        <p:nvSpPr>
+          <p:cNvPr id="3" name="Vertical Text Placeholder 2"/>
           <p:cNvSpPr>
             <a:spLocks noGrp="1"/>
           </p:cNvSpPr>
@@ -603,8 +531,8 @@
         </p:nvSpPr>
         <p:spPr>
           <a:xfrm>
-            <a:off x="838200" y="365125"/>
-            <a:ext cx="7734300" cy="5811838"/>
+            <a:off x="247531" y="134133"/>
+            <a:ext cx="2284035" cy="2135044"/>
           </a:xfrm>
         </p:spPr>
         <p:txBody>
@@ -644,19 +572,13 @@
               <a:rPr lang="en-US"/>
               <a:t>Fifth level</a:t>
             </a:r>
-            <a:endParaRPr lang="en-CN"/>
-          </a:p>
-        </p:txBody>
-      </p:sp>
-      <p:sp>
-        <p:nvSpPr>
-          <p:cNvPr id="4" name="Date Placeholder 3">
-            <a:extLst>
-              <a:ext uri="{FF2B5EF4-FFF2-40B4-BE49-F238E27FC236}">
-                <a16:creationId xmlns:a16="http://schemas.microsoft.com/office/drawing/2014/main" id="{14848FA2-006F-3E90-E408-DF58EAC63C4E}"/>
-              </a:ext>
-            </a:extLst>
-          </p:cNvPr>
+            <a:endParaRPr lang="en-US" dirty="0"/>
+          </a:p>
+        </p:txBody>
+      </p:sp>
+      <p:sp>
+        <p:nvSpPr>
+          <p:cNvPr id="4" name="Date Placeholder 3"/>
           <p:cNvSpPr>
             <a:spLocks noGrp="1"/>
           </p:cNvSpPr>
@@ -671,7 +593,7 @@
           <a:p>
             <a:fld id="{DB444E9D-F90D-0145-811E-74FF77FAAD65}" type="datetimeFigureOut">
               <a:rPr lang="en-CN" smtClean="0"/>
-              <a:t>2025/4/13</a:t>
+              <a:t>2025/4/16</a:t>
             </a:fld>
             <a:endParaRPr lang="en-CN"/>
           </a:p>
@@ -679,13 +601,7 @@
       </p:sp>
       <p:sp>
         <p:nvSpPr>
-          <p:cNvPr id="5" name="Footer Placeholder 4">
-            <a:extLst>
-              <a:ext uri="{FF2B5EF4-FFF2-40B4-BE49-F238E27FC236}">
-                <a16:creationId xmlns:a16="http://schemas.microsoft.com/office/drawing/2014/main" id="{B4DC78B2-D20C-9CB5-0F38-C9095AB75046}"/>
-              </a:ext>
-            </a:extLst>
-          </p:cNvPr>
+          <p:cNvPr id="5" name="Footer Placeholder 4"/>
           <p:cNvSpPr>
             <a:spLocks noGrp="1"/>
           </p:cNvSpPr>
@@ -704,13 +620,7 @@
       </p:sp>
       <p:sp>
         <p:nvSpPr>
-          <p:cNvPr id="6" name="Slide Number Placeholder 5">
-            <a:extLst>
-              <a:ext uri="{FF2B5EF4-FFF2-40B4-BE49-F238E27FC236}">
-                <a16:creationId xmlns:a16="http://schemas.microsoft.com/office/drawing/2014/main" id="{146541EC-B70D-5A4F-80EF-71F6D27EC522}"/>
-              </a:ext>
-            </a:extLst>
-          </p:cNvPr>
+          <p:cNvPr id="6" name="Slide Number Placeholder 5"/>
           <p:cNvSpPr>
             <a:spLocks noGrp="1"/>
           </p:cNvSpPr>
@@ -734,7 +644,7 @@
     </p:spTree>
     <p:extLst>
       <p:ext uri="{BB962C8B-B14F-4D97-AF65-F5344CB8AC3E}">
-        <p14:creationId xmlns:p14="http://schemas.microsoft.com/office/powerpoint/2010/main" val="630305578"/>
+        <p14:creationId xmlns:p14="http://schemas.microsoft.com/office/powerpoint/2010/main" val="2853400733"/>
       </p:ext>
     </p:extLst>
   </p:cSld>
@@ -763,13 +673,7 @@
       </p:grpSpPr>
       <p:sp>
         <p:nvSpPr>
-          <p:cNvPr id="2" name="Title 1">
-            <a:extLst>
-              <a:ext uri="{FF2B5EF4-FFF2-40B4-BE49-F238E27FC236}">
-                <a16:creationId xmlns:a16="http://schemas.microsoft.com/office/drawing/2014/main" id="{36E742BC-2726-5DB2-A53D-704E5A85EEFA}"/>
-              </a:ext>
-            </a:extLst>
-          </p:cNvPr>
+          <p:cNvPr id="2" name="Title 1"/>
           <p:cNvSpPr>
             <a:spLocks noGrp="1"/>
           </p:cNvSpPr>
@@ -786,19 +690,13 @@
               <a:rPr lang="en-US"/>
               <a:t>Click to edit Master title style</a:t>
             </a:r>
-            <a:endParaRPr lang="en-CN"/>
-          </a:p>
-        </p:txBody>
-      </p:sp>
-      <p:sp>
-        <p:nvSpPr>
-          <p:cNvPr id="3" name="Content Placeholder 2">
-            <a:extLst>
-              <a:ext uri="{FF2B5EF4-FFF2-40B4-BE49-F238E27FC236}">
-                <a16:creationId xmlns:a16="http://schemas.microsoft.com/office/drawing/2014/main" id="{511E1B7D-6AD1-6C3A-177F-B6BD2768807E}"/>
-              </a:ext>
-            </a:extLst>
-          </p:cNvPr>
+            <a:endParaRPr lang="en-US" dirty="0"/>
+          </a:p>
+        </p:txBody>
+      </p:sp>
+      <p:sp>
+        <p:nvSpPr>
+          <p:cNvPr id="3" name="Content Placeholder 2"/>
           <p:cNvSpPr>
             <a:spLocks noGrp="1"/>
           </p:cNvSpPr>
@@ -844,19 +742,13 @@
               <a:rPr lang="en-US"/>
               <a:t>Fifth level</a:t>
             </a:r>
-            <a:endParaRPr lang="en-CN"/>
-          </a:p>
-        </p:txBody>
-      </p:sp>
-      <p:sp>
-        <p:nvSpPr>
-          <p:cNvPr id="4" name="Date Placeholder 3">
-            <a:extLst>
-              <a:ext uri="{FF2B5EF4-FFF2-40B4-BE49-F238E27FC236}">
-                <a16:creationId xmlns:a16="http://schemas.microsoft.com/office/drawing/2014/main" id="{DE44DCB8-D4DA-22C0-3302-5862B095CADB}"/>
-              </a:ext>
-            </a:extLst>
-          </p:cNvPr>
+            <a:endParaRPr lang="en-US" dirty="0"/>
+          </a:p>
+        </p:txBody>
+      </p:sp>
+      <p:sp>
+        <p:nvSpPr>
+          <p:cNvPr id="4" name="Date Placeholder 3"/>
           <p:cNvSpPr>
             <a:spLocks noGrp="1"/>
           </p:cNvSpPr>
@@ -871,7 +763,7 @@
           <a:p>
             <a:fld id="{DB444E9D-F90D-0145-811E-74FF77FAAD65}" type="datetimeFigureOut">
               <a:rPr lang="en-CN" smtClean="0"/>
-              <a:t>2025/4/13</a:t>
+              <a:t>2025/4/16</a:t>
             </a:fld>
             <a:endParaRPr lang="en-CN"/>
           </a:p>
@@ -879,13 +771,7 @@
       </p:sp>
       <p:sp>
         <p:nvSpPr>
-          <p:cNvPr id="5" name="Footer Placeholder 4">
-            <a:extLst>
-              <a:ext uri="{FF2B5EF4-FFF2-40B4-BE49-F238E27FC236}">
-                <a16:creationId xmlns:a16="http://schemas.microsoft.com/office/drawing/2014/main" id="{AE0C61CD-5198-6D7C-3575-F8268E232CBA}"/>
-              </a:ext>
-            </a:extLst>
-          </p:cNvPr>
+          <p:cNvPr id="5" name="Footer Placeholder 4"/>
           <p:cNvSpPr>
             <a:spLocks noGrp="1"/>
           </p:cNvSpPr>
@@ -904,13 +790,7 @@
       </p:sp>
       <p:sp>
         <p:nvSpPr>
-          <p:cNvPr id="6" name="Slide Number Placeholder 5">
-            <a:extLst>
-              <a:ext uri="{FF2B5EF4-FFF2-40B4-BE49-F238E27FC236}">
-                <a16:creationId xmlns:a16="http://schemas.microsoft.com/office/drawing/2014/main" id="{2A45E418-0D12-AFFA-2343-3DAE0B8B46AA}"/>
-              </a:ext>
-            </a:extLst>
-          </p:cNvPr>
+          <p:cNvPr id="6" name="Slide Number Placeholder 5"/>
           <p:cNvSpPr>
             <a:spLocks noGrp="1"/>
           </p:cNvSpPr>
@@ -934,7 +814,7 @@
     </p:spTree>
     <p:extLst>
       <p:ext uri="{BB962C8B-B14F-4D97-AF65-F5344CB8AC3E}">
-        <p14:creationId xmlns:p14="http://schemas.microsoft.com/office/powerpoint/2010/main" val="274142857"/>
+        <p14:creationId xmlns:p14="http://schemas.microsoft.com/office/powerpoint/2010/main" val="2376801293"/>
       </p:ext>
     </p:extLst>
   </p:cSld>
@@ -963,13 +843,7 @@
       </p:grpSpPr>
       <p:sp>
         <p:nvSpPr>
-          <p:cNvPr id="2" name="Title 1">
-            <a:extLst>
-              <a:ext uri="{FF2B5EF4-FFF2-40B4-BE49-F238E27FC236}">
-                <a16:creationId xmlns:a16="http://schemas.microsoft.com/office/drawing/2014/main" id="{FA3F3C0F-F318-C5FC-399D-F1F3C07DC756}"/>
-              </a:ext>
-            </a:extLst>
-          </p:cNvPr>
+          <p:cNvPr id="2" name="Title 1"/>
           <p:cNvSpPr>
             <a:spLocks noGrp="1"/>
           </p:cNvSpPr>
@@ -979,15 +853,15 @@
         </p:nvSpPr>
         <p:spPr>
           <a:xfrm>
-            <a:off x="831850" y="1709738"/>
-            <a:ext cx="10515600" cy="2852737"/>
+            <a:off x="245656" y="628092"/>
+            <a:ext cx="3105388" cy="1047985"/>
           </a:xfrm>
         </p:spPr>
         <p:txBody>
           <a:bodyPr anchor="b"/>
           <a:lstStyle>
             <a:lvl1pPr>
-              <a:defRPr sz="6000"/>
+              <a:defRPr sz="2204"/>
             </a:lvl1pPr>
           </a:lstStyle>
           <a:p>
@@ -995,19 +869,13 @@
               <a:rPr lang="en-US"/>
               <a:t>Click to edit Master title style</a:t>
             </a:r>
-            <a:endParaRPr lang="en-CN"/>
-          </a:p>
-        </p:txBody>
-      </p:sp>
-      <p:sp>
-        <p:nvSpPr>
-          <p:cNvPr id="3" name="Text Placeholder 2">
-            <a:extLst>
-              <a:ext uri="{FF2B5EF4-FFF2-40B4-BE49-F238E27FC236}">
-                <a16:creationId xmlns:a16="http://schemas.microsoft.com/office/drawing/2014/main" id="{F8BBF063-610E-5DF7-AECF-E5D3A1C83A4C}"/>
-              </a:ext>
-            </a:extLst>
-          </p:cNvPr>
+            <a:endParaRPr lang="en-US" dirty="0"/>
+          </a:p>
+        </p:txBody>
+      </p:sp>
+      <p:sp>
+        <p:nvSpPr>
+          <p:cNvPr id="3" name="Text Placeholder 2"/>
           <p:cNvSpPr>
             <a:spLocks noGrp="1"/>
           </p:cNvSpPr>
@@ -1017,8 +885,8 @@
         </p:nvSpPr>
         <p:spPr>
           <a:xfrm>
-            <a:off x="831850" y="4589463"/>
-            <a:ext cx="10515600" cy="1500187"/>
+            <a:off x="245656" y="1685991"/>
+            <a:ext cx="3105388" cy="551110"/>
           </a:xfrm>
         </p:spPr>
         <p:txBody>
@@ -1026,7 +894,7 @@
           <a:lstStyle>
             <a:lvl1pPr marL="0" indent="0">
               <a:buNone/>
-              <a:defRPr sz="2400">
+              <a:defRPr sz="882">
                 <a:solidFill>
                   <a:schemeClr val="tx1">
                     <a:tint val="82000"/>
@@ -1034,9 +902,9 @@
                 </a:solidFill>
               </a:defRPr>
             </a:lvl1pPr>
-            <a:lvl2pPr marL="457200" indent="0">
-              <a:buNone/>
-              <a:defRPr sz="2000">
+            <a:lvl2pPr marL="167975" indent="0">
+              <a:buNone/>
+              <a:defRPr sz="735">
                 <a:solidFill>
                   <a:schemeClr val="tx1">
                     <a:tint val="82000"/>
@@ -1044,9 +912,9 @@
                 </a:solidFill>
               </a:defRPr>
             </a:lvl2pPr>
-            <a:lvl3pPr marL="914400" indent="0">
-              <a:buNone/>
-              <a:defRPr sz="1800">
+            <a:lvl3pPr marL="335951" indent="0">
+              <a:buNone/>
+              <a:defRPr sz="661">
                 <a:solidFill>
                   <a:schemeClr val="tx1">
                     <a:tint val="82000"/>
@@ -1054,9 +922,9 @@
                 </a:solidFill>
               </a:defRPr>
             </a:lvl3pPr>
-            <a:lvl4pPr marL="1371600" indent="0">
-              <a:buNone/>
-              <a:defRPr sz="1600">
+            <a:lvl4pPr marL="503926" indent="0">
+              <a:buNone/>
+              <a:defRPr sz="588">
                 <a:solidFill>
                   <a:schemeClr val="tx1">
                     <a:tint val="82000"/>
@@ -1064,9 +932,9 @@
                 </a:solidFill>
               </a:defRPr>
             </a:lvl4pPr>
-            <a:lvl5pPr marL="1828800" indent="0">
-              <a:buNone/>
-              <a:defRPr sz="1600">
+            <a:lvl5pPr marL="671901" indent="0">
+              <a:buNone/>
+              <a:defRPr sz="588">
                 <a:solidFill>
                   <a:schemeClr val="tx1">
                     <a:tint val="82000"/>
@@ -1074,9 +942,9 @@
                 </a:solidFill>
               </a:defRPr>
             </a:lvl5pPr>
-            <a:lvl6pPr marL="2286000" indent="0">
-              <a:buNone/>
-              <a:defRPr sz="1600">
+            <a:lvl6pPr marL="839876" indent="0">
+              <a:buNone/>
+              <a:defRPr sz="588">
                 <a:solidFill>
                   <a:schemeClr val="tx1">
                     <a:tint val="82000"/>
@@ -1084,9 +952,9 @@
                 </a:solidFill>
               </a:defRPr>
             </a:lvl6pPr>
-            <a:lvl7pPr marL="2743200" indent="0">
-              <a:buNone/>
-              <a:defRPr sz="1600">
+            <a:lvl7pPr marL="1007852" indent="0">
+              <a:buNone/>
+              <a:defRPr sz="588">
                 <a:solidFill>
                   <a:schemeClr val="tx1">
                     <a:tint val="82000"/>
@@ -1094,9 +962,9 @@
                 </a:solidFill>
               </a:defRPr>
             </a:lvl7pPr>
-            <a:lvl8pPr marL="3200400" indent="0">
-              <a:buNone/>
-              <a:defRPr sz="1600">
+            <a:lvl8pPr marL="1175827" indent="0">
+              <a:buNone/>
+              <a:defRPr sz="588">
                 <a:solidFill>
                   <a:schemeClr val="tx1">
                     <a:tint val="82000"/>
@@ -1104,9 +972,9 @@
                 </a:solidFill>
               </a:defRPr>
             </a:lvl8pPr>
-            <a:lvl9pPr marL="3657600" indent="0">
-              <a:buNone/>
-              <a:defRPr sz="1600">
+            <a:lvl9pPr marL="1343802" indent="0">
+              <a:buNone/>
+              <a:defRPr sz="588">
                 <a:solidFill>
                   <a:schemeClr val="tx1">
                     <a:tint val="82000"/>
@@ -1126,13 +994,7 @@
       </p:sp>
       <p:sp>
         <p:nvSpPr>
-          <p:cNvPr id="4" name="Date Placeholder 3">
-            <a:extLst>
-              <a:ext uri="{FF2B5EF4-FFF2-40B4-BE49-F238E27FC236}">
-                <a16:creationId xmlns:a16="http://schemas.microsoft.com/office/drawing/2014/main" id="{78630998-FB87-D18F-4F08-66865F73EB3D}"/>
-              </a:ext>
-            </a:extLst>
-          </p:cNvPr>
+          <p:cNvPr id="4" name="Date Placeholder 3"/>
           <p:cNvSpPr>
             <a:spLocks noGrp="1"/>
           </p:cNvSpPr>
@@ -1147,7 +1009,7 @@
           <a:p>
             <a:fld id="{DB444E9D-F90D-0145-811E-74FF77FAAD65}" type="datetimeFigureOut">
               <a:rPr lang="en-CN" smtClean="0"/>
-              <a:t>2025/4/13</a:t>
+              <a:t>2025/4/16</a:t>
             </a:fld>
             <a:endParaRPr lang="en-CN"/>
           </a:p>
@@ -1155,13 +1017,7 @@
       </p:sp>
       <p:sp>
         <p:nvSpPr>
-          <p:cNvPr id="5" name="Footer Placeholder 4">
-            <a:extLst>
-              <a:ext uri="{FF2B5EF4-FFF2-40B4-BE49-F238E27FC236}">
-                <a16:creationId xmlns:a16="http://schemas.microsoft.com/office/drawing/2014/main" id="{EBAC4809-94D7-A6A0-17D1-DF897DCE3AC1}"/>
-              </a:ext>
-            </a:extLst>
-          </p:cNvPr>
+          <p:cNvPr id="5" name="Footer Placeholder 4"/>
           <p:cNvSpPr>
             <a:spLocks noGrp="1"/>
           </p:cNvSpPr>
@@ -1180,13 +1036,7 @@
       </p:sp>
       <p:sp>
         <p:nvSpPr>
-          <p:cNvPr id="6" name="Slide Number Placeholder 5">
-            <a:extLst>
-              <a:ext uri="{FF2B5EF4-FFF2-40B4-BE49-F238E27FC236}">
-                <a16:creationId xmlns:a16="http://schemas.microsoft.com/office/drawing/2014/main" id="{4990A921-3B6E-E5FB-6457-B867B07B4FDD}"/>
-              </a:ext>
-            </a:extLst>
-          </p:cNvPr>
+          <p:cNvPr id="6" name="Slide Number Placeholder 5"/>
           <p:cNvSpPr>
             <a:spLocks noGrp="1"/>
           </p:cNvSpPr>
@@ -1210,7 +1060,7 @@
     </p:spTree>
     <p:extLst>
       <p:ext uri="{BB962C8B-B14F-4D97-AF65-F5344CB8AC3E}">
-        <p14:creationId xmlns:p14="http://schemas.microsoft.com/office/powerpoint/2010/main" val="1985340502"/>
+        <p14:creationId xmlns:p14="http://schemas.microsoft.com/office/powerpoint/2010/main" val="2734074699"/>
       </p:ext>
     </p:extLst>
   </p:cSld>
@@ -1239,13 +1089,7 @@
       </p:grpSpPr>
       <p:sp>
         <p:nvSpPr>
-          <p:cNvPr id="2" name="Title 1">
-            <a:extLst>
-              <a:ext uri="{FF2B5EF4-FFF2-40B4-BE49-F238E27FC236}">
-                <a16:creationId xmlns:a16="http://schemas.microsoft.com/office/drawing/2014/main" id="{C5D3B3DD-93BA-E30D-024A-FF5F992AF6A5}"/>
-              </a:ext>
-            </a:extLst>
-          </p:cNvPr>
+          <p:cNvPr id="2" name="Title 1"/>
           <p:cNvSpPr>
             <a:spLocks noGrp="1"/>
           </p:cNvSpPr>
@@ -1262,19 +1106,13 @@
               <a:rPr lang="en-US"/>
               <a:t>Click to edit Master title style</a:t>
             </a:r>
-            <a:endParaRPr lang="en-CN"/>
-          </a:p>
-        </p:txBody>
-      </p:sp>
-      <p:sp>
-        <p:nvSpPr>
-          <p:cNvPr id="3" name="Content Placeholder 2">
-            <a:extLst>
-              <a:ext uri="{FF2B5EF4-FFF2-40B4-BE49-F238E27FC236}">
-                <a16:creationId xmlns:a16="http://schemas.microsoft.com/office/drawing/2014/main" id="{DE6B8E51-C138-86A5-DD80-56C7C37659FC}"/>
-              </a:ext>
-            </a:extLst>
-          </p:cNvPr>
+            <a:endParaRPr lang="en-US" dirty="0"/>
+          </a:p>
+        </p:txBody>
+      </p:sp>
+      <p:sp>
+        <p:nvSpPr>
+          <p:cNvPr id="3" name="Content Placeholder 2"/>
           <p:cNvSpPr>
             <a:spLocks noGrp="1"/>
           </p:cNvSpPr>
@@ -1284,8 +1122,8 @@
         </p:nvSpPr>
         <p:spPr>
           <a:xfrm>
-            <a:off x="838200" y="1825625"/>
-            <a:ext cx="5181600" cy="4351338"/>
+            <a:off x="247531" y="670664"/>
+            <a:ext cx="1530191" cy="1598513"/>
           </a:xfrm>
         </p:spPr>
         <p:txBody>
@@ -1325,19 +1163,13 @@
               <a:rPr lang="en-US"/>
               <a:t>Fifth level</a:t>
             </a:r>
-            <a:endParaRPr lang="en-CN"/>
-          </a:p>
-        </p:txBody>
-      </p:sp>
-      <p:sp>
-        <p:nvSpPr>
-          <p:cNvPr id="4" name="Content Placeholder 3">
-            <a:extLst>
-              <a:ext uri="{FF2B5EF4-FFF2-40B4-BE49-F238E27FC236}">
-                <a16:creationId xmlns:a16="http://schemas.microsoft.com/office/drawing/2014/main" id="{5945BC27-B7AF-6950-CCAD-F6BE0B62ABED}"/>
-              </a:ext>
-            </a:extLst>
-          </p:cNvPr>
+            <a:endParaRPr lang="en-US" dirty="0"/>
+          </a:p>
+        </p:txBody>
+      </p:sp>
+      <p:sp>
+        <p:nvSpPr>
+          <p:cNvPr id="4" name="Content Placeholder 3"/>
           <p:cNvSpPr>
             <a:spLocks noGrp="1"/>
           </p:cNvSpPr>
@@ -1347,8 +1179,8 @@
         </p:nvSpPr>
         <p:spPr>
           <a:xfrm>
-            <a:off x="6172200" y="1825625"/>
-            <a:ext cx="5181600" cy="4351338"/>
+            <a:off x="1822728" y="670664"/>
+            <a:ext cx="1530191" cy="1598513"/>
           </a:xfrm>
         </p:spPr>
         <p:txBody>
@@ -1388,19 +1220,13 @@
               <a:rPr lang="en-US"/>
               <a:t>Fifth level</a:t>
             </a:r>
-            <a:endParaRPr lang="en-CN"/>
-          </a:p>
-        </p:txBody>
-      </p:sp>
-      <p:sp>
-        <p:nvSpPr>
-          <p:cNvPr id="5" name="Date Placeholder 4">
-            <a:extLst>
-              <a:ext uri="{FF2B5EF4-FFF2-40B4-BE49-F238E27FC236}">
-                <a16:creationId xmlns:a16="http://schemas.microsoft.com/office/drawing/2014/main" id="{286C49AF-7F02-A5FB-CDE2-A85B04BE9950}"/>
-              </a:ext>
-            </a:extLst>
-          </p:cNvPr>
+            <a:endParaRPr lang="en-US" dirty="0"/>
+          </a:p>
+        </p:txBody>
+      </p:sp>
+      <p:sp>
+        <p:nvSpPr>
+          <p:cNvPr id="5" name="Date Placeholder 4"/>
           <p:cNvSpPr>
             <a:spLocks noGrp="1"/>
           </p:cNvSpPr>
@@ -1415,7 +1241,7 @@
           <a:p>
             <a:fld id="{DB444E9D-F90D-0145-811E-74FF77FAAD65}" type="datetimeFigureOut">
               <a:rPr lang="en-CN" smtClean="0"/>
-              <a:t>2025/4/13</a:t>
+              <a:t>2025/4/16</a:t>
             </a:fld>
             <a:endParaRPr lang="en-CN"/>
           </a:p>
@@ -1423,13 +1249,7 @@
       </p:sp>
       <p:sp>
         <p:nvSpPr>
-          <p:cNvPr id="6" name="Footer Placeholder 5">
-            <a:extLst>
-              <a:ext uri="{FF2B5EF4-FFF2-40B4-BE49-F238E27FC236}">
-                <a16:creationId xmlns:a16="http://schemas.microsoft.com/office/drawing/2014/main" id="{6E59E475-D760-7BE9-4980-D3B3A39F87E5}"/>
-              </a:ext>
-            </a:extLst>
-          </p:cNvPr>
+          <p:cNvPr id="6" name="Footer Placeholder 5"/>
           <p:cNvSpPr>
             <a:spLocks noGrp="1"/>
           </p:cNvSpPr>
@@ -1448,13 +1268,7 @@
       </p:sp>
       <p:sp>
         <p:nvSpPr>
-          <p:cNvPr id="7" name="Slide Number Placeholder 6">
-            <a:extLst>
-              <a:ext uri="{FF2B5EF4-FFF2-40B4-BE49-F238E27FC236}">
-                <a16:creationId xmlns:a16="http://schemas.microsoft.com/office/drawing/2014/main" id="{20F716EF-BB30-0887-253D-716D69252DF3}"/>
-              </a:ext>
-            </a:extLst>
-          </p:cNvPr>
+          <p:cNvPr id="7" name="Slide Number Placeholder 6"/>
           <p:cNvSpPr>
             <a:spLocks noGrp="1"/>
           </p:cNvSpPr>
@@ -1478,7 +1292,7 @@
     </p:spTree>
     <p:extLst>
       <p:ext uri="{BB962C8B-B14F-4D97-AF65-F5344CB8AC3E}">
-        <p14:creationId xmlns:p14="http://schemas.microsoft.com/office/powerpoint/2010/main" val="3051034938"/>
+        <p14:creationId xmlns:p14="http://schemas.microsoft.com/office/powerpoint/2010/main" val="1291795192"/>
       </p:ext>
     </p:extLst>
   </p:cSld>
@@ -1507,13 +1321,7 @@
       </p:grpSpPr>
       <p:sp>
         <p:nvSpPr>
-          <p:cNvPr id="2" name="Title 1">
-            <a:extLst>
-              <a:ext uri="{FF2B5EF4-FFF2-40B4-BE49-F238E27FC236}">
-                <a16:creationId xmlns:a16="http://schemas.microsoft.com/office/drawing/2014/main" id="{6E8281CE-CD0B-6399-F0E9-66723B87C3FB}"/>
-              </a:ext>
-            </a:extLst>
-          </p:cNvPr>
+          <p:cNvPr id="2" name="Title 1"/>
           <p:cNvSpPr>
             <a:spLocks noGrp="1"/>
           </p:cNvSpPr>
@@ -1523,8 +1331,8 @@
         </p:nvSpPr>
         <p:spPr>
           <a:xfrm>
-            <a:off x="839788" y="365125"/>
-            <a:ext cx="10515600" cy="1325563"/>
+            <a:off x="248000" y="134133"/>
+            <a:ext cx="3105388" cy="486960"/>
           </a:xfrm>
         </p:spPr>
         <p:txBody>
@@ -1535,19 +1343,13 @@
               <a:rPr lang="en-US"/>
               <a:t>Click to edit Master title style</a:t>
             </a:r>
-            <a:endParaRPr lang="en-CN"/>
-          </a:p>
-        </p:txBody>
-      </p:sp>
-      <p:sp>
-        <p:nvSpPr>
-          <p:cNvPr id="3" name="Text Placeholder 2">
-            <a:extLst>
-              <a:ext uri="{FF2B5EF4-FFF2-40B4-BE49-F238E27FC236}">
-                <a16:creationId xmlns:a16="http://schemas.microsoft.com/office/drawing/2014/main" id="{4BBCFFB7-012B-6AB7-5E82-3BF4F63968F7}"/>
-              </a:ext>
-            </a:extLst>
-          </p:cNvPr>
+            <a:endParaRPr lang="en-US" dirty="0"/>
+          </a:p>
+        </p:txBody>
+      </p:sp>
+      <p:sp>
+        <p:nvSpPr>
+          <p:cNvPr id="3" name="Text Placeholder 2"/>
           <p:cNvSpPr>
             <a:spLocks noGrp="1"/>
           </p:cNvSpPr>
@@ -1557,8 +1359,8 @@
         </p:nvSpPr>
         <p:spPr>
           <a:xfrm>
-            <a:off x="839788" y="1681163"/>
-            <a:ext cx="5157787" cy="823912"/>
+            <a:off x="248000" y="617594"/>
+            <a:ext cx="1523159" cy="302673"/>
           </a:xfrm>
         </p:spPr>
         <p:txBody>
@@ -1566,39 +1368,39 @@
           <a:lstStyle>
             <a:lvl1pPr marL="0" indent="0">
               <a:buNone/>
-              <a:defRPr sz="2400" b="1"/>
+              <a:defRPr sz="882" b="1"/>
             </a:lvl1pPr>
-            <a:lvl2pPr marL="457200" indent="0">
-              <a:buNone/>
-              <a:defRPr sz="2000" b="1"/>
+            <a:lvl2pPr marL="167975" indent="0">
+              <a:buNone/>
+              <a:defRPr sz="735" b="1"/>
             </a:lvl2pPr>
-            <a:lvl3pPr marL="914400" indent="0">
-              <a:buNone/>
-              <a:defRPr sz="1800" b="1"/>
+            <a:lvl3pPr marL="335951" indent="0">
+              <a:buNone/>
+              <a:defRPr sz="661" b="1"/>
             </a:lvl3pPr>
-            <a:lvl4pPr marL="1371600" indent="0">
-              <a:buNone/>
-              <a:defRPr sz="1600" b="1"/>
+            <a:lvl4pPr marL="503926" indent="0">
+              <a:buNone/>
+              <a:defRPr sz="588" b="1"/>
             </a:lvl4pPr>
-            <a:lvl5pPr marL="1828800" indent="0">
-              <a:buNone/>
-              <a:defRPr sz="1600" b="1"/>
+            <a:lvl5pPr marL="671901" indent="0">
+              <a:buNone/>
+              <a:defRPr sz="588" b="1"/>
             </a:lvl5pPr>
-            <a:lvl6pPr marL="2286000" indent="0">
-              <a:buNone/>
-              <a:defRPr sz="1600" b="1"/>
+            <a:lvl6pPr marL="839876" indent="0">
+              <a:buNone/>
+              <a:defRPr sz="588" b="1"/>
             </a:lvl6pPr>
-            <a:lvl7pPr marL="2743200" indent="0">
-              <a:buNone/>
-              <a:defRPr sz="1600" b="1"/>
+            <a:lvl7pPr marL="1007852" indent="0">
+              <a:buNone/>
+              <a:defRPr sz="588" b="1"/>
             </a:lvl7pPr>
-            <a:lvl8pPr marL="3200400" indent="0">
-              <a:buNone/>
-              <a:defRPr sz="1600" b="1"/>
+            <a:lvl8pPr marL="1175827" indent="0">
+              <a:buNone/>
+              <a:defRPr sz="588" b="1"/>
             </a:lvl8pPr>
-            <a:lvl9pPr marL="3657600" indent="0">
-              <a:buNone/>
-              <a:defRPr sz="1600" b="1"/>
+            <a:lvl9pPr marL="1343802" indent="0">
+              <a:buNone/>
+              <a:defRPr sz="588" b="1"/>
             </a:lvl9pPr>
           </a:lstStyle>
           <a:p>
@@ -1612,13 +1414,7 @@
       </p:sp>
       <p:sp>
         <p:nvSpPr>
-          <p:cNvPr id="4" name="Content Placeholder 3">
-            <a:extLst>
-              <a:ext uri="{FF2B5EF4-FFF2-40B4-BE49-F238E27FC236}">
-                <a16:creationId xmlns:a16="http://schemas.microsoft.com/office/drawing/2014/main" id="{D7202A97-FACF-923F-A8E4-17EB7B1FBA4D}"/>
-              </a:ext>
-            </a:extLst>
-          </p:cNvPr>
+          <p:cNvPr id="4" name="Content Placeholder 3"/>
           <p:cNvSpPr>
             <a:spLocks noGrp="1"/>
           </p:cNvSpPr>
@@ -1628,8 +1424,8 @@
         </p:nvSpPr>
         <p:spPr>
           <a:xfrm>
-            <a:off x="839788" y="2505075"/>
-            <a:ext cx="5157787" cy="3684588"/>
+            <a:off x="248000" y="920267"/>
+            <a:ext cx="1523159" cy="1353575"/>
           </a:xfrm>
         </p:spPr>
         <p:txBody>
@@ -1669,19 +1465,13 @@
               <a:rPr lang="en-US"/>
               <a:t>Fifth level</a:t>
             </a:r>
-            <a:endParaRPr lang="en-CN"/>
-          </a:p>
-        </p:txBody>
-      </p:sp>
-      <p:sp>
-        <p:nvSpPr>
-          <p:cNvPr id="5" name="Text Placeholder 4">
-            <a:extLst>
-              <a:ext uri="{FF2B5EF4-FFF2-40B4-BE49-F238E27FC236}">
-                <a16:creationId xmlns:a16="http://schemas.microsoft.com/office/drawing/2014/main" id="{E3CC505D-AAB6-B75C-8313-A8F9A9ED5BF2}"/>
-              </a:ext>
-            </a:extLst>
-          </p:cNvPr>
+            <a:endParaRPr lang="en-US" dirty="0"/>
+          </a:p>
+        </p:txBody>
+      </p:sp>
+      <p:sp>
+        <p:nvSpPr>
+          <p:cNvPr id="5" name="Text Placeholder 4"/>
           <p:cNvSpPr>
             <a:spLocks noGrp="1"/>
           </p:cNvSpPr>
@@ -1691,8 +1481,8 @@
         </p:nvSpPr>
         <p:spPr>
           <a:xfrm>
-            <a:off x="6172200" y="1681163"/>
-            <a:ext cx="5183188" cy="823912"/>
+            <a:off x="1822728" y="617594"/>
+            <a:ext cx="1530660" cy="302673"/>
           </a:xfrm>
         </p:spPr>
         <p:txBody>
@@ -1700,39 +1490,39 @@
           <a:lstStyle>
             <a:lvl1pPr marL="0" indent="0">
               <a:buNone/>
-              <a:defRPr sz="2400" b="1"/>
+              <a:defRPr sz="882" b="1"/>
             </a:lvl1pPr>
-            <a:lvl2pPr marL="457200" indent="0">
-              <a:buNone/>
-              <a:defRPr sz="2000" b="1"/>
+            <a:lvl2pPr marL="167975" indent="0">
+              <a:buNone/>
+              <a:defRPr sz="735" b="1"/>
             </a:lvl2pPr>
-            <a:lvl3pPr marL="914400" indent="0">
-              <a:buNone/>
-              <a:defRPr sz="1800" b="1"/>
+            <a:lvl3pPr marL="335951" indent="0">
+              <a:buNone/>
+              <a:defRPr sz="661" b="1"/>
             </a:lvl3pPr>
-            <a:lvl4pPr marL="1371600" indent="0">
-              <a:buNone/>
-              <a:defRPr sz="1600" b="1"/>
+            <a:lvl4pPr marL="503926" indent="0">
+              <a:buNone/>
+              <a:defRPr sz="588" b="1"/>
             </a:lvl4pPr>
-            <a:lvl5pPr marL="1828800" indent="0">
-              <a:buNone/>
-              <a:defRPr sz="1600" b="1"/>
+            <a:lvl5pPr marL="671901" indent="0">
+              <a:buNone/>
+              <a:defRPr sz="588" b="1"/>
             </a:lvl5pPr>
-            <a:lvl6pPr marL="2286000" indent="0">
-              <a:buNone/>
-              <a:defRPr sz="1600" b="1"/>
+            <a:lvl6pPr marL="839876" indent="0">
+              <a:buNone/>
+              <a:defRPr sz="588" b="1"/>
             </a:lvl6pPr>
-            <a:lvl7pPr marL="2743200" indent="0">
-              <a:buNone/>
-              <a:defRPr sz="1600" b="1"/>
+            <a:lvl7pPr marL="1007852" indent="0">
+              <a:buNone/>
+              <a:defRPr sz="588" b="1"/>
             </a:lvl7pPr>
-            <a:lvl8pPr marL="3200400" indent="0">
-              <a:buNone/>
-              <a:defRPr sz="1600" b="1"/>
+            <a:lvl8pPr marL="1175827" indent="0">
+              <a:buNone/>
+              <a:defRPr sz="588" b="1"/>
             </a:lvl8pPr>
-            <a:lvl9pPr marL="3657600" indent="0">
-              <a:buNone/>
-              <a:defRPr sz="1600" b="1"/>
+            <a:lvl9pPr marL="1343802" indent="0">
+              <a:buNone/>
+              <a:defRPr sz="588" b="1"/>
             </a:lvl9pPr>
           </a:lstStyle>
           <a:p>
@@ -1746,13 +1536,7 @@
       </p:sp>
       <p:sp>
         <p:nvSpPr>
-          <p:cNvPr id="6" name="Content Placeholder 5">
-            <a:extLst>
-              <a:ext uri="{FF2B5EF4-FFF2-40B4-BE49-F238E27FC236}">
-                <a16:creationId xmlns:a16="http://schemas.microsoft.com/office/drawing/2014/main" id="{B4E11D58-830C-5A90-BD4C-38568D6A9952}"/>
-              </a:ext>
-            </a:extLst>
-          </p:cNvPr>
+          <p:cNvPr id="6" name="Content Placeholder 5"/>
           <p:cNvSpPr>
             <a:spLocks noGrp="1"/>
           </p:cNvSpPr>
@@ -1762,8 +1546,8 @@
         </p:nvSpPr>
         <p:spPr>
           <a:xfrm>
-            <a:off x="6172200" y="2505075"/>
-            <a:ext cx="5183188" cy="3684588"/>
+            <a:off x="1822728" y="920267"/>
+            <a:ext cx="1530660" cy="1353575"/>
           </a:xfrm>
         </p:spPr>
         <p:txBody>
@@ -1803,19 +1587,13 @@
               <a:rPr lang="en-US"/>
               <a:t>Fifth level</a:t>
             </a:r>
-            <a:endParaRPr lang="en-CN"/>
-          </a:p>
-        </p:txBody>
-      </p:sp>
-      <p:sp>
-        <p:nvSpPr>
-          <p:cNvPr id="7" name="Date Placeholder 6">
-            <a:extLst>
-              <a:ext uri="{FF2B5EF4-FFF2-40B4-BE49-F238E27FC236}">
-                <a16:creationId xmlns:a16="http://schemas.microsoft.com/office/drawing/2014/main" id="{0F2FBB70-A1F3-ACCE-4D6B-E0C843CCAD3D}"/>
-              </a:ext>
-            </a:extLst>
-          </p:cNvPr>
+            <a:endParaRPr lang="en-US" dirty="0"/>
+          </a:p>
+        </p:txBody>
+      </p:sp>
+      <p:sp>
+        <p:nvSpPr>
+          <p:cNvPr id="7" name="Date Placeholder 6"/>
           <p:cNvSpPr>
             <a:spLocks noGrp="1"/>
           </p:cNvSpPr>
@@ -1830,7 +1608,7 @@
           <a:p>
             <a:fld id="{DB444E9D-F90D-0145-811E-74FF77FAAD65}" type="datetimeFigureOut">
               <a:rPr lang="en-CN" smtClean="0"/>
-              <a:t>2025/4/13</a:t>
+              <a:t>2025/4/16</a:t>
             </a:fld>
             <a:endParaRPr lang="en-CN"/>
           </a:p>
@@ -1838,13 +1616,7 @@
       </p:sp>
       <p:sp>
         <p:nvSpPr>
-          <p:cNvPr id="8" name="Footer Placeholder 7">
-            <a:extLst>
-              <a:ext uri="{FF2B5EF4-FFF2-40B4-BE49-F238E27FC236}">
-                <a16:creationId xmlns:a16="http://schemas.microsoft.com/office/drawing/2014/main" id="{E7D303FA-C918-F8A5-8928-AE8F745CD728}"/>
-              </a:ext>
-            </a:extLst>
-          </p:cNvPr>
+          <p:cNvPr id="8" name="Footer Placeholder 7"/>
           <p:cNvSpPr>
             <a:spLocks noGrp="1"/>
           </p:cNvSpPr>
@@ -1863,13 +1635,7 @@
       </p:sp>
       <p:sp>
         <p:nvSpPr>
-          <p:cNvPr id="9" name="Slide Number Placeholder 8">
-            <a:extLst>
-              <a:ext uri="{FF2B5EF4-FFF2-40B4-BE49-F238E27FC236}">
-                <a16:creationId xmlns:a16="http://schemas.microsoft.com/office/drawing/2014/main" id="{CF40BFAD-F11D-B029-6C0B-D238401DB994}"/>
-              </a:ext>
-            </a:extLst>
-          </p:cNvPr>
+          <p:cNvPr id="9" name="Slide Number Placeholder 8"/>
           <p:cNvSpPr>
             <a:spLocks noGrp="1"/>
           </p:cNvSpPr>
@@ -1893,7 +1659,7 @@
     </p:spTree>
     <p:extLst>
       <p:ext uri="{BB962C8B-B14F-4D97-AF65-F5344CB8AC3E}">
-        <p14:creationId xmlns:p14="http://schemas.microsoft.com/office/powerpoint/2010/main" val="4108361820"/>
+        <p14:creationId xmlns:p14="http://schemas.microsoft.com/office/powerpoint/2010/main" val="1116564949"/>
       </p:ext>
     </p:extLst>
   </p:cSld>
@@ -1922,13 +1688,7 @@
       </p:grpSpPr>
       <p:sp>
         <p:nvSpPr>
-          <p:cNvPr id="2" name="Title 1">
-            <a:extLst>
-              <a:ext uri="{FF2B5EF4-FFF2-40B4-BE49-F238E27FC236}">
-                <a16:creationId xmlns:a16="http://schemas.microsoft.com/office/drawing/2014/main" id="{3F27A1A0-EA6C-9A7C-17E5-F18BC4CD590D}"/>
-              </a:ext>
-            </a:extLst>
-          </p:cNvPr>
+          <p:cNvPr id="2" name="Title 1"/>
           <p:cNvSpPr>
             <a:spLocks noGrp="1"/>
           </p:cNvSpPr>
@@ -1945,19 +1705,13 @@
               <a:rPr lang="en-US"/>
               <a:t>Click to edit Master title style</a:t>
             </a:r>
-            <a:endParaRPr lang="en-CN"/>
-          </a:p>
-        </p:txBody>
-      </p:sp>
-      <p:sp>
-        <p:nvSpPr>
-          <p:cNvPr id="3" name="Date Placeholder 2">
-            <a:extLst>
-              <a:ext uri="{FF2B5EF4-FFF2-40B4-BE49-F238E27FC236}">
-                <a16:creationId xmlns:a16="http://schemas.microsoft.com/office/drawing/2014/main" id="{4A106794-3975-A590-FF9E-192C6E1510AC}"/>
-              </a:ext>
-            </a:extLst>
-          </p:cNvPr>
+            <a:endParaRPr lang="en-US" dirty="0"/>
+          </a:p>
+        </p:txBody>
+      </p:sp>
+      <p:sp>
+        <p:nvSpPr>
+          <p:cNvPr id="3" name="Date Placeholder 2"/>
           <p:cNvSpPr>
             <a:spLocks noGrp="1"/>
           </p:cNvSpPr>
@@ -1972,7 +1726,7 @@
           <a:p>
             <a:fld id="{DB444E9D-F90D-0145-811E-74FF77FAAD65}" type="datetimeFigureOut">
               <a:rPr lang="en-CN" smtClean="0"/>
-              <a:t>2025/4/13</a:t>
+              <a:t>2025/4/16</a:t>
             </a:fld>
             <a:endParaRPr lang="en-CN"/>
           </a:p>
@@ -1980,13 +1734,7 @@
       </p:sp>
       <p:sp>
         <p:nvSpPr>
-          <p:cNvPr id="4" name="Footer Placeholder 3">
-            <a:extLst>
-              <a:ext uri="{FF2B5EF4-FFF2-40B4-BE49-F238E27FC236}">
-                <a16:creationId xmlns:a16="http://schemas.microsoft.com/office/drawing/2014/main" id="{D4949ACC-AEAA-8D91-00F2-9F7B027BBD98}"/>
-              </a:ext>
-            </a:extLst>
-          </p:cNvPr>
+          <p:cNvPr id="4" name="Footer Placeholder 3"/>
           <p:cNvSpPr>
             <a:spLocks noGrp="1"/>
           </p:cNvSpPr>
@@ -2005,13 +1753,7 @@
       </p:sp>
       <p:sp>
         <p:nvSpPr>
-          <p:cNvPr id="5" name="Slide Number Placeholder 4">
-            <a:extLst>
-              <a:ext uri="{FF2B5EF4-FFF2-40B4-BE49-F238E27FC236}">
-                <a16:creationId xmlns:a16="http://schemas.microsoft.com/office/drawing/2014/main" id="{EE2554F7-94E0-66A8-16D3-D9A73D660A61}"/>
-              </a:ext>
-            </a:extLst>
-          </p:cNvPr>
+          <p:cNvPr id="5" name="Slide Number Placeholder 4"/>
           <p:cNvSpPr>
             <a:spLocks noGrp="1"/>
           </p:cNvSpPr>
@@ -2035,7 +1777,7 @@
     </p:spTree>
     <p:extLst>
       <p:ext uri="{BB962C8B-B14F-4D97-AF65-F5344CB8AC3E}">
-        <p14:creationId xmlns:p14="http://schemas.microsoft.com/office/powerpoint/2010/main" val="220198064"/>
+        <p14:creationId xmlns:p14="http://schemas.microsoft.com/office/powerpoint/2010/main" val="2777168733"/>
       </p:ext>
     </p:extLst>
   </p:cSld>
@@ -2064,13 +1806,7 @@
       </p:grpSpPr>
       <p:sp>
         <p:nvSpPr>
-          <p:cNvPr id="2" name="Date Placeholder 1">
-            <a:extLst>
-              <a:ext uri="{FF2B5EF4-FFF2-40B4-BE49-F238E27FC236}">
-                <a16:creationId xmlns:a16="http://schemas.microsoft.com/office/drawing/2014/main" id="{26049B5F-83C8-46AC-4139-6EBF3B4BA82C}"/>
-              </a:ext>
-            </a:extLst>
-          </p:cNvPr>
+          <p:cNvPr id="2" name="Date Placeholder 1"/>
           <p:cNvSpPr>
             <a:spLocks noGrp="1"/>
           </p:cNvSpPr>
@@ -2085,7 +1821,7 @@
           <a:p>
             <a:fld id="{DB444E9D-F90D-0145-811E-74FF77FAAD65}" type="datetimeFigureOut">
               <a:rPr lang="en-CN" smtClean="0"/>
-              <a:t>2025/4/13</a:t>
+              <a:t>2025/4/16</a:t>
             </a:fld>
             <a:endParaRPr lang="en-CN"/>
           </a:p>
@@ -2093,13 +1829,7 @@
       </p:sp>
       <p:sp>
         <p:nvSpPr>
-          <p:cNvPr id="3" name="Footer Placeholder 2">
-            <a:extLst>
-              <a:ext uri="{FF2B5EF4-FFF2-40B4-BE49-F238E27FC236}">
-                <a16:creationId xmlns:a16="http://schemas.microsoft.com/office/drawing/2014/main" id="{05C2A721-E1A0-C24B-5AFA-8DBCB6F9FBF6}"/>
-              </a:ext>
-            </a:extLst>
-          </p:cNvPr>
+          <p:cNvPr id="3" name="Footer Placeholder 2"/>
           <p:cNvSpPr>
             <a:spLocks noGrp="1"/>
           </p:cNvSpPr>
@@ -2118,13 +1848,7 @@
       </p:sp>
       <p:sp>
         <p:nvSpPr>
-          <p:cNvPr id="4" name="Slide Number Placeholder 3">
-            <a:extLst>
-              <a:ext uri="{FF2B5EF4-FFF2-40B4-BE49-F238E27FC236}">
-                <a16:creationId xmlns:a16="http://schemas.microsoft.com/office/drawing/2014/main" id="{DF682425-40AF-85C4-A3D3-449A3A806056}"/>
-              </a:ext>
-            </a:extLst>
-          </p:cNvPr>
+          <p:cNvPr id="4" name="Slide Number Placeholder 3"/>
           <p:cNvSpPr>
             <a:spLocks noGrp="1"/>
           </p:cNvSpPr>
@@ -2148,7 +1872,7 @@
     </p:spTree>
     <p:extLst>
       <p:ext uri="{BB962C8B-B14F-4D97-AF65-F5344CB8AC3E}">
-        <p14:creationId xmlns:p14="http://schemas.microsoft.com/office/powerpoint/2010/main" val="2185982624"/>
+        <p14:creationId xmlns:p14="http://schemas.microsoft.com/office/powerpoint/2010/main" val="2557000789"/>
       </p:ext>
     </p:extLst>
   </p:cSld>
@@ -2177,13 +1901,7 @@
       </p:grpSpPr>
       <p:sp>
         <p:nvSpPr>
-          <p:cNvPr id="2" name="Title 1">
-            <a:extLst>
-              <a:ext uri="{FF2B5EF4-FFF2-40B4-BE49-F238E27FC236}">
-                <a16:creationId xmlns:a16="http://schemas.microsoft.com/office/drawing/2014/main" id="{896741EA-BCDF-AB51-0D84-B0AC7FEBBD9A}"/>
-              </a:ext>
-            </a:extLst>
-          </p:cNvPr>
+          <p:cNvPr id="2" name="Title 1"/>
           <p:cNvSpPr>
             <a:spLocks noGrp="1"/>
           </p:cNvSpPr>
@@ -2193,15 +1911,15 @@
         </p:nvSpPr>
         <p:spPr>
           <a:xfrm>
-            <a:off x="839788" y="457200"/>
-            <a:ext cx="3932237" cy="1600200"/>
+            <a:off x="248000" y="167958"/>
+            <a:ext cx="1161239" cy="587851"/>
           </a:xfrm>
         </p:spPr>
         <p:txBody>
           <a:bodyPr anchor="b"/>
           <a:lstStyle>
             <a:lvl1pPr>
-              <a:defRPr sz="3200"/>
+              <a:defRPr sz="1176"/>
             </a:lvl1pPr>
           </a:lstStyle>
           <a:p>
@@ -2209,19 +1927,13 @@
               <a:rPr lang="en-US"/>
               <a:t>Click to edit Master title style</a:t>
             </a:r>
-            <a:endParaRPr lang="en-CN"/>
-          </a:p>
-        </p:txBody>
-      </p:sp>
-      <p:sp>
-        <p:nvSpPr>
-          <p:cNvPr id="3" name="Content Placeholder 2">
-            <a:extLst>
-              <a:ext uri="{FF2B5EF4-FFF2-40B4-BE49-F238E27FC236}">
-                <a16:creationId xmlns:a16="http://schemas.microsoft.com/office/drawing/2014/main" id="{0B2D838E-D6F3-734F-87F3-3C380DD1CBFB}"/>
-              </a:ext>
-            </a:extLst>
-          </p:cNvPr>
+            <a:endParaRPr lang="en-US" dirty="0"/>
+          </a:p>
+        </p:txBody>
+      </p:sp>
+      <p:sp>
+        <p:nvSpPr>
+          <p:cNvPr id="3" name="Content Placeholder 2"/>
           <p:cNvSpPr>
             <a:spLocks noGrp="1"/>
           </p:cNvSpPr>
@@ -2231,39 +1943,39 @@
         </p:nvSpPr>
         <p:spPr>
           <a:xfrm>
-            <a:off x="5183188" y="987425"/>
-            <a:ext cx="6172200" cy="4873625"/>
+            <a:off x="1530660" y="362742"/>
+            <a:ext cx="1822728" cy="1790381"/>
           </a:xfrm>
         </p:spPr>
         <p:txBody>
           <a:bodyPr/>
           <a:lstStyle>
             <a:lvl1pPr>
-              <a:defRPr sz="3200"/>
+              <a:defRPr sz="1176"/>
             </a:lvl1pPr>
             <a:lvl2pPr>
-              <a:defRPr sz="2800"/>
+              <a:defRPr sz="1029"/>
             </a:lvl2pPr>
             <a:lvl3pPr>
-              <a:defRPr sz="2400"/>
+              <a:defRPr sz="882"/>
             </a:lvl3pPr>
             <a:lvl4pPr>
-              <a:defRPr sz="2000"/>
+              <a:defRPr sz="735"/>
             </a:lvl4pPr>
             <a:lvl5pPr>
-              <a:defRPr sz="2000"/>
+              <a:defRPr sz="735"/>
             </a:lvl5pPr>
             <a:lvl6pPr>
-              <a:defRPr sz="2000"/>
+              <a:defRPr sz="735"/>
             </a:lvl6pPr>
             <a:lvl7pPr>
-              <a:defRPr sz="2000"/>
+              <a:defRPr sz="735"/>
             </a:lvl7pPr>
             <a:lvl8pPr>
-              <a:defRPr sz="2000"/>
+              <a:defRPr sz="735"/>
             </a:lvl8pPr>
             <a:lvl9pPr>
-              <a:defRPr sz="2000"/>
+              <a:defRPr sz="735"/>
             </a:lvl9pPr>
           </a:lstStyle>
           <a:p>
@@ -2300,19 +2012,13 @@
               <a:rPr lang="en-US"/>
               <a:t>Fifth level</a:t>
             </a:r>
-            <a:endParaRPr lang="en-CN"/>
-          </a:p>
-        </p:txBody>
-      </p:sp>
-      <p:sp>
-        <p:nvSpPr>
-          <p:cNvPr id="4" name="Text Placeholder 3">
-            <a:extLst>
-              <a:ext uri="{FF2B5EF4-FFF2-40B4-BE49-F238E27FC236}">
-                <a16:creationId xmlns:a16="http://schemas.microsoft.com/office/drawing/2014/main" id="{E2E5CB85-1C9F-213C-A93A-C9C8D097E285}"/>
-              </a:ext>
-            </a:extLst>
-          </p:cNvPr>
+            <a:endParaRPr lang="en-US" dirty="0"/>
+          </a:p>
+        </p:txBody>
+      </p:sp>
+      <p:sp>
+        <p:nvSpPr>
+          <p:cNvPr id="4" name="Text Placeholder 3"/>
           <p:cNvSpPr>
             <a:spLocks noGrp="1"/>
           </p:cNvSpPr>
@@ -2322,8 +2028,8 @@
         </p:nvSpPr>
         <p:spPr>
           <a:xfrm>
-            <a:off x="839788" y="2057400"/>
-            <a:ext cx="3932237" cy="3811588"/>
+            <a:off x="248000" y="755809"/>
+            <a:ext cx="1161239" cy="1400229"/>
           </a:xfrm>
         </p:spPr>
         <p:txBody>
@@ -2331,39 +2037,39 @@
           <a:lstStyle>
             <a:lvl1pPr marL="0" indent="0">
               <a:buNone/>
-              <a:defRPr sz="1600"/>
+              <a:defRPr sz="588"/>
             </a:lvl1pPr>
-            <a:lvl2pPr marL="457200" indent="0">
-              <a:buNone/>
-              <a:defRPr sz="1400"/>
+            <a:lvl2pPr marL="167975" indent="0">
+              <a:buNone/>
+              <a:defRPr sz="514"/>
             </a:lvl2pPr>
-            <a:lvl3pPr marL="914400" indent="0">
-              <a:buNone/>
-              <a:defRPr sz="1200"/>
+            <a:lvl3pPr marL="335951" indent="0">
+              <a:buNone/>
+              <a:defRPr sz="441"/>
             </a:lvl3pPr>
-            <a:lvl4pPr marL="1371600" indent="0">
-              <a:buNone/>
-              <a:defRPr sz="1000"/>
+            <a:lvl4pPr marL="503926" indent="0">
+              <a:buNone/>
+              <a:defRPr sz="367"/>
             </a:lvl4pPr>
-            <a:lvl5pPr marL="1828800" indent="0">
-              <a:buNone/>
-              <a:defRPr sz="1000"/>
+            <a:lvl5pPr marL="671901" indent="0">
+              <a:buNone/>
+              <a:defRPr sz="367"/>
             </a:lvl5pPr>
-            <a:lvl6pPr marL="2286000" indent="0">
-              <a:buNone/>
-              <a:defRPr sz="1000"/>
+            <a:lvl6pPr marL="839876" indent="0">
+              <a:buNone/>
+              <a:defRPr sz="367"/>
             </a:lvl6pPr>
-            <a:lvl7pPr marL="2743200" indent="0">
-              <a:buNone/>
-              <a:defRPr sz="1000"/>
+            <a:lvl7pPr marL="1007852" indent="0">
+              <a:buNone/>
+              <a:defRPr sz="367"/>
             </a:lvl7pPr>
-            <a:lvl8pPr marL="3200400" indent="0">
-              <a:buNone/>
-              <a:defRPr sz="1000"/>
+            <a:lvl8pPr marL="1175827" indent="0">
+              <a:buNone/>
+              <a:defRPr sz="367"/>
             </a:lvl8pPr>
-            <a:lvl9pPr marL="3657600" indent="0">
-              <a:buNone/>
-              <a:defRPr sz="1000"/>
+            <a:lvl9pPr marL="1343802" indent="0">
+              <a:buNone/>
+              <a:defRPr sz="367"/>
             </a:lvl9pPr>
           </a:lstStyle>
           <a:p>
@@ -2377,13 +2083,7 @@
       </p:sp>
       <p:sp>
         <p:nvSpPr>
-          <p:cNvPr id="5" name="Date Placeholder 4">
-            <a:extLst>
-              <a:ext uri="{FF2B5EF4-FFF2-40B4-BE49-F238E27FC236}">
-                <a16:creationId xmlns:a16="http://schemas.microsoft.com/office/drawing/2014/main" id="{E3FCDB05-AED7-B177-8105-A29C16071A22}"/>
-              </a:ext>
-            </a:extLst>
-          </p:cNvPr>
+          <p:cNvPr id="5" name="Date Placeholder 4"/>
           <p:cNvSpPr>
             <a:spLocks noGrp="1"/>
           </p:cNvSpPr>
@@ -2398,7 +2098,7 @@
           <a:p>
             <a:fld id="{DB444E9D-F90D-0145-811E-74FF77FAAD65}" type="datetimeFigureOut">
               <a:rPr lang="en-CN" smtClean="0"/>
-              <a:t>2025/4/13</a:t>
+              <a:t>2025/4/16</a:t>
             </a:fld>
             <a:endParaRPr lang="en-CN"/>
           </a:p>
@@ -2406,13 +2106,7 @@
       </p:sp>
       <p:sp>
         <p:nvSpPr>
-          <p:cNvPr id="6" name="Footer Placeholder 5">
-            <a:extLst>
-              <a:ext uri="{FF2B5EF4-FFF2-40B4-BE49-F238E27FC236}">
-                <a16:creationId xmlns:a16="http://schemas.microsoft.com/office/drawing/2014/main" id="{ACF3F02C-01D9-006A-EB88-AFA0FE84C609}"/>
-              </a:ext>
-            </a:extLst>
-          </p:cNvPr>
+          <p:cNvPr id="6" name="Footer Placeholder 5"/>
           <p:cNvSpPr>
             <a:spLocks noGrp="1"/>
           </p:cNvSpPr>
@@ -2431,13 +2125,7 @@
       </p:sp>
       <p:sp>
         <p:nvSpPr>
-          <p:cNvPr id="7" name="Slide Number Placeholder 6">
-            <a:extLst>
-              <a:ext uri="{FF2B5EF4-FFF2-40B4-BE49-F238E27FC236}">
-                <a16:creationId xmlns:a16="http://schemas.microsoft.com/office/drawing/2014/main" id="{D4636C4A-6E4B-8F0D-C7E6-AE109FDA1106}"/>
-              </a:ext>
-            </a:extLst>
-          </p:cNvPr>
+          <p:cNvPr id="7" name="Slide Number Placeholder 6"/>
           <p:cNvSpPr>
             <a:spLocks noGrp="1"/>
           </p:cNvSpPr>
@@ -2461,7 +2149,7 @@
     </p:spTree>
     <p:extLst>
       <p:ext uri="{BB962C8B-B14F-4D97-AF65-F5344CB8AC3E}">
-        <p14:creationId xmlns:p14="http://schemas.microsoft.com/office/powerpoint/2010/main" val="1712308827"/>
+        <p14:creationId xmlns:p14="http://schemas.microsoft.com/office/powerpoint/2010/main" val="1695493007"/>
       </p:ext>
     </p:extLst>
   </p:cSld>
@@ -2490,13 +2178,7 @@
       </p:grpSpPr>
       <p:sp>
         <p:nvSpPr>
-          <p:cNvPr id="2" name="Title 1">
-            <a:extLst>
-              <a:ext uri="{FF2B5EF4-FFF2-40B4-BE49-F238E27FC236}">
-                <a16:creationId xmlns:a16="http://schemas.microsoft.com/office/drawing/2014/main" id="{2DBA5060-A2DD-FE0F-4A95-F87521BD9A53}"/>
-              </a:ext>
-            </a:extLst>
-          </p:cNvPr>
+          <p:cNvPr id="2" name="Title 1"/>
           <p:cNvSpPr>
             <a:spLocks noGrp="1"/>
           </p:cNvSpPr>
@@ -2506,15 +2188,15 @@
         </p:nvSpPr>
         <p:spPr>
           <a:xfrm>
-            <a:off x="839788" y="457200"/>
-            <a:ext cx="3932237" cy="1600200"/>
+            <a:off x="248000" y="167958"/>
+            <a:ext cx="1161239" cy="587851"/>
           </a:xfrm>
         </p:spPr>
         <p:txBody>
           <a:bodyPr anchor="b"/>
           <a:lstStyle>
             <a:lvl1pPr>
-              <a:defRPr sz="3200"/>
+              <a:defRPr sz="1176"/>
             </a:lvl1pPr>
           </a:lstStyle>
           <a:p>
@@ -2522,21 +2204,15 @@
               <a:rPr lang="en-US"/>
               <a:t>Click to edit Master title style</a:t>
             </a:r>
-            <a:endParaRPr lang="en-CN"/>
-          </a:p>
-        </p:txBody>
-      </p:sp>
-      <p:sp>
-        <p:nvSpPr>
-          <p:cNvPr id="3" name="Picture Placeholder 2">
-            <a:extLst>
-              <a:ext uri="{FF2B5EF4-FFF2-40B4-BE49-F238E27FC236}">
-                <a16:creationId xmlns:a16="http://schemas.microsoft.com/office/drawing/2014/main" id="{5335A9DE-88A4-2B00-A498-EB0360157A4A}"/>
-              </a:ext>
-            </a:extLst>
-          </p:cNvPr>
-          <p:cNvSpPr>
-            <a:spLocks noGrp="1"/>
+            <a:endParaRPr lang="en-US" dirty="0"/>
+          </a:p>
+        </p:txBody>
+      </p:sp>
+      <p:sp>
+        <p:nvSpPr>
+          <p:cNvPr id="3" name="Picture Placeholder 2"/>
+          <p:cNvSpPr>
+            <a:spLocks noGrp="1" noChangeAspect="1"/>
           </p:cNvSpPr>
           <p:nvPr>
             <p:ph type="pic" idx="1"/>
@@ -2544,64 +2220,62 @@
         </p:nvSpPr>
         <p:spPr>
           <a:xfrm>
-            <a:off x="5183188" y="987425"/>
-            <a:ext cx="6172200" cy="4873625"/>
+            <a:off x="1530660" y="362742"/>
+            <a:ext cx="1822728" cy="1790381"/>
           </a:xfrm>
         </p:spPr>
         <p:txBody>
-          <a:bodyPr/>
+          <a:bodyPr anchor="t"/>
           <a:lstStyle>
             <a:lvl1pPr marL="0" indent="0">
               <a:buNone/>
-              <a:defRPr sz="3200"/>
+              <a:defRPr sz="1176"/>
             </a:lvl1pPr>
-            <a:lvl2pPr marL="457200" indent="0">
-              <a:buNone/>
-              <a:defRPr sz="2800"/>
+            <a:lvl2pPr marL="167975" indent="0">
+              <a:buNone/>
+              <a:defRPr sz="1029"/>
             </a:lvl2pPr>
-            <a:lvl3pPr marL="914400" indent="0">
-              <a:buNone/>
-              <a:defRPr sz="2400"/>
+            <a:lvl3pPr marL="335951" indent="0">
+              <a:buNone/>
+              <a:defRPr sz="882"/>
             </a:lvl3pPr>
-            <a:lvl4pPr marL="1371600" indent="0">
-              <a:buNone/>
-              <a:defRPr sz="2000"/>
+            <a:lvl4pPr marL="503926" indent="0">
+              <a:buNone/>
+              <a:defRPr sz="735"/>
             </a:lvl4pPr>
-            <a:lvl5pPr marL="1828800" indent="0">
-              <a:buNone/>
-              <a:defRPr sz="2000"/>
+            <a:lvl5pPr marL="671901" indent="0">
+              <a:buNone/>
+              <a:defRPr sz="735"/>
             </a:lvl5pPr>
-            <a:lvl6pPr marL="2286000" indent="0">
-              <a:buNone/>
-              <a:defRPr sz="2000"/>
+            <a:lvl6pPr marL="839876" indent="0">
+              <a:buNone/>
+              <a:defRPr sz="735"/>
             </a:lvl6pPr>
-            <a:lvl7pPr marL="2743200" indent="0">
-              <a:buNone/>
-              <a:defRPr sz="2000"/>
+            <a:lvl7pPr marL="1007852" indent="0">
+              <a:buNone/>
+              <a:defRPr sz="735"/>
             </a:lvl7pPr>
-            <a:lvl8pPr marL="3200400" indent="0">
-              <a:buNone/>
-              <a:defRPr sz="2000"/>
+            <a:lvl8pPr marL="1175827" indent="0">
+              <a:buNone/>
+              <a:defRPr sz="735"/>
             </a:lvl8pPr>
-            <a:lvl9pPr marL="3657600" indent="0">
-              <a:buNone/>
-              <a:defRPr sz="2000"/>
+            <a:lvl9pPr marL="1343802" indent="0">
+              <a:buNone/>
+              <a:defRPr sz="735"/>
             </a:lvl9pPr>
           </a:lstStyle>
           <a:p>
-            <a:endParaRPr lang="en-CN"/>
-          </a:p>
-        </p:txBody>
-      </p:sp>
-      <p:sp>
-        <p:nvSpPr>
-          <p:cNvPr id="4" name="Text Placeholder 3">
-            <a:extLst>
-              <a:ext uri="{FF2B5EF4-FFF2-40B4-BE49-F238E27FC236}">
-                <a16:creationId xmlns:a16="http://schemas.microsoft.com/office/drawing/2014/main" id="{38075DFD-DA82-2282-4C54-F09B217B7B0D}"/>
-              </a:ext>
-            </a:extLst>
-          </p:cNvPr>
+            <a:r>
+              <a:rPr lang="en-US"/>
+              <a:t>Click icon to add picture</a:t>
+            </a:r>
+            <a:endParaRPr lang="en-US" dirty="0"/>
+          </a:p>
+        </p:txBody>
+      </p:sp>
+      <p:sp>
+        <p:nvSpPr>
+          <p:cNvPr id="4" name="Text Placeholder 3"/>
           <p:cNvSpPr>
             <a:spLocks noGrp="1"/>
           </p:cNvSpPr>
@@ -2611,8 +2285,8 @@
         </p:nvSpPr>
         <p:spPr>
           <a:xfrm>
-            <a:off x="839788" y="2057400"/>
-            <a:ext cx="3932237" cy="3811588"/>
+            <a:off x="248000" y="755809"/>
+            <a:ext cx="1161239" cy="1400229"/>
           </a:xfrm>
         </p:spPr>
         <p:txBody>
@@ -2620,39 +2294,39 @@
           <a:lstStyle>
             <a:lvl1pPr marL="0" indent="0">
               <a:buNone/>
-              <a:defRPr sz="1600"/>
+              <a:defRPr sz="588"/>
             </a:lvl1pPr>
-            <a:lvl2pPr marL="457200" indent="0">
-              <a:buNone/>
-              <a:defRPr sz="1400"/>
+            <a:lvl2pPr marL="167975" indent="0">
+              <a:buNone/>
+              <a:defRPr sz="514"/>
             </a:lvl2pPr>
-            <a:lvl3pPr marL="914400" indent="0">
-              <a:buNone/>
-              <a:defRPr sz="1200"/>
+            <a:lvl3pPr marL="335951" indent="0">
+              <a:buNone/>
+              <a:defRPr sz="441"/>
             </a:lvl3pPr>
-            <a:lvl4pPr marL="1371600" indent="0">
-              <a:buNone/>
-              <a:defRPr sz="1000"/>
+            <a:lvl4pPr marL="503926" indent="0">
+              <a:buNone/>
+              <a:defRPr sz="367"/>
             </a:lvl4pPr>
-            <a:lvl5pPr marL="1828800" indent="0">
-              <a:buNone/>
-              <a:defRPr sz="1000"/>
+            <a:lvl5pPr marL="671901" indent="0">
+              <a:buNone/>
+              <a:defRPr sz="367"/>
             </a:lvl5pPr>
-            <a:lvl6pPr marL="2286000" indent="0">
-              <a:buNone/>
-              <a:defRPr sz="1000"/>
+            <a:lvl6pPr marL="839876" indent="0">
+              <a:buNone/>
+              <a:defRPr sz="367"/>
             </a:lvl6pPr>
-            <a:lvl7pPr marL="2743200" indent="0">
-              <a:buNone/>
-              <a:defRPr sz="1000"/>
+            <a:lvl7pPr marL="1007852" indent="0">
+              <a:buNone/>
+              <a:defRPr sz="367"/>
             </a:lvl7pPr>
-            <a:lvl8pPr marL="3200400" indent="0">
-              <a:buNone/>
-              <a:defRPr sz="1000"/>
+            <a:lvl8pPr marL="1175827" indent="0">
+              <a:buNone/>
+              <a:defRPr sz="367"/>
             </a:lvl8pPr>
-            <a:lvl9pPr marL="3657600" indent="0">
-              <a:buNone/>
-              <a:defRPr sz="1000"/>
+            <a:lvl9pPr marL="1343802" indent="0">
+              <a:buNone/>
+              <a:defRPr sz="367"/>
             </a:lvl9pPr>
           </a:lstStyle>
           <a:p>
@@ -2666,13 +2340,7 @@
       </p:sp>
       <p:sp>
         <p:nvSpPr>
-          <p:cNvPr id="5" name="Date Placeholder 4">
-            <a:extLst>
-              <a:ext uri="{FF2B5EF4-FFF2-40B4-BE49-F238E27FC236}">
-                <a16:creationId xmlns:a16="http://schemas.microsoft.com/office/drawing/2014/main" id="{9F17090A-67F3-C8DC-1A8A-F0096DE28EC2}"/>
-              </a:ext>
-            </a:extLst>
-          </p:cNvPr>
+          <p:cNvPr id="5" name="Date Placeholder 4"/>
           <p:cNvSpPr>
             <a:spLocks noGrp="1"/>
           </p:cNvSpPr>
@@ -2687,7 +2355,7 @@
           <a:p>
             <a:fld id="{DB444E9D-F90D-0145-811E-74FF77FAAD65}" type="datetimeFigureOut">
               <a:rPr lang="en-CN" smtClean="0"/>
-              <a:t>2025/4/13</a:t>
+              <a:t>2025/4/16</a:t>
             </a:fld>
             <a:endParaRPr lang="en-CN"/>
           </a:p>
@@ -2695,13 +2363,7 @@
       </p:sp>
       <p:sp>
         <p:nvSpPr>
-          <p:cNvPr id="6" name="Footer Placeholder 5">
-            <a:extLst>
-              <a:ext uri="{FF2B5EF4-FFF2-40B4-BE49-F238E27FC236}">
-                <a16:creationId xmlns:a16="http://schemas.microsoft.com/office/drawing/2014/main" id="{A7265B72-0FF9-9428-92F5-AD6E2FD02C0B}"/>
-              </a:ext>
-            </a:extLst>
-          </p:cNvPr>
+          <p:cNvPr id="6" name="Footer Placeholder 5"/>
           <p:cNvSpPr>
             <a:spLocks noGrp="1"/>
           </p:cNvSpPr>
@@ -2720,13 +2382,7 @@
       </p:sp>
       <p:sp>
         <p:nvSpPr>
-          <p:cNvPr id="7" name="Slide Number Placeholder 6">
-            <a:extLst>
-              <a:ext uri="{FF2B5EF4-FFF2-40B4-BE49-F238E27FC236}">
-                <a16:creationId xmlns:a16="http://schemas.microsoft.com/office/drawing/2014/main" id="{36EF4EFD-4F8C-C24E-7772-C2448F3D58EF}"/>
-              </a:ext>
-            </a:extLst>
-          </p:cNvPr>
+          <p:cNvPr id="7" name="Slide Number Placeholder 6"/>
           <p:cNvSpPr>
             <a:spLocks noGrp="1"/>
           </p:cNvSpPr>
@@ -2750,7 +2406,7 @@
     </p:spTree>
     <p:extLst>
       <p:ext uri="{BB962C8B-B14F-4D97-AF65-F5344CB8AC3E}">
-        <p14:creationId xmlns:p14="http://schemas.microsoft.com/office/powerpoint/2010/main" val="3833115054"/>
+        <p14:creationId xmlns:p14="http://schemas.microsoft.com/office/powerpoint/2010/main" val="2136938837"/>
       </p:ext>
     </p:extLst>
   </p:cSld>
@@ -2784,13 +2440,7 @@
       </p:grpSpPr>
       <p:sp>
         <p:nvSpPr>
-          <p:cNvPr id="2" name="Title Placeholder 1">
-            <a:extLst>
-              <a:ext uri="{FF2B5EF4-FFF2-40B4-BE49-F238E27FC236}">
-                <a16:creationId xmlns:a16="http://schemas.microsoft.com/office/drawing/2014/main" id="{4C946129-79F3-D2B1-3736-900B4D4DA824}"/>
-              </a:ext>
-            </a:extLst>
-          </p:cNvPr>
+          <p:cNvPr id="2" name="Title Placeholder 1"/>
           <p:cNvSpPr>
             <a:spLocks noGrp="1"/>
           </p:cNvSpPr>
@@ -2800,8 +2450,8 @@
         </p:nvSpPr>
         <p:spPr>
           <a:xfrm>
-            <a:off x="838200" y="365125"/>
-            <a:ext cx="10515600" cy="1325563"/>
+            <a:off x="247531" y="134133"/>
+            <a:ext cx="3105388" cy="486960"/>
           </a:xfrm>
           <a:prstGeom prst="rect">
             <a:avLst/>
@@ -2817,19 +2467,13 @@
               <a:rPr lang="en-US"/>
               <a:t>Click to edit Master title style</a:t>
             </a:r>
-            <a:endParaRPr lang="en-CN"/>
-          </a:p>
-        </p:txBody>
-      </p:sp>
-      <p:sp>
-        <p:nvSpPr>
-          <p:cNvPr id="3" name="Text Placeholder 2">
-            <a:extLst>
-              <a:ext uri="{FF2B5EF4-FFF2-40B4-BE49-F238E27FC236}">
-                <a16:creationId xmlns:a16="http://schemas.microsoft.com/office/drawing/2014/main" id="{1BBC0D22-6A96-E7A9-BA11-01D55B36C1BC}"/>
-              </a:ext>
-            </a:extLst>
-          </p:cNvPr>
+            <a:endParaRPr lang="en-US" dirty="0"/>
+          </a:p>
+        </p:txBody>
+      </p:sp>
+      <p:sp>
+        <p:nvSpPr>
+          <p:cNvPr id="3" name="Text Placeholder 2"/>
           <p:cNvSpPr>
             <a:spLocks noGrp="1"/>
           </p:cNvSpPr>
@@ -2839,8 +2483,8 @@
         </p:nvSpPr>
         <p:spPr>
           <a:xfrm>
-            <a:off x="838200" y="1825625"/>
-            <a:ext cx="10515600" cy="4351338"/>
+            <a:off x="247531" y="670664"/>
+            <a:ext cx="3105388" cy="1598513"/>
           </a:xfrm>
           <a:prstGeom prst="rect">
             <a:avLst/>
@@ -2885,19 +2529,13 @@
               <a:rPr lang="en-US"/>
               <a:t>Fifth level</a:t>
             </a:r>
-            <a:endParaRPr lang="en-CN"/>
-          </a:p>
-        </p:txBody>
-      </p:sp>
-      <p:sp>
-        <p:nvSpPr>
-          <p:cNvPr id="4" name="Date Placeholder 3">
-            <a:extLst>
-              <a:ext uri="{FF2B5EF4-FFF2-40B4-BE49-F238E27FC236}">
-                <a16:creationId xmlns:a16="http://schemas.microsoft.com/office/drawing/2014/main" id="{21E26A98-C75C-9873-41B9-3B205099B460}"/>
-              </a:ext>
-            </a:extLst>
-          </p:cNvPr>
+            <a:endParaRPr lang="en-US" dirty="0"/>
+          </a:p>
+        </p:txBody>
+      </p:sp>
+      <p:sp>
+        <p:nvSpPr>
+          <p:cNvPr id="4" name="Date Placeholder 3"/>
           <p:cNvSpPr>
             <a:spLocks noGrp="1"/>
           </p:cNvSpPr>
@@ -2907,8 +2545,8 @@
         </p:nvSpPr>
         <p:spPr>
           <a:xfrm>
-            <a:off x="838200" y="6356350"/>
-            <a:ext cx="2743200" cy="365125"/>
+            <a:off x="247531" y="2335077"/>
+            <a:ext cx="810101" cy="134133"/>
           </a:xfrm>
           <a:prstGeom prst="rect">
             <a:avLst/>
@@ -2918,7 +2556,7 @@
           <a:bodyPr vert="horz" lIns="91440" tIns="45720" rIns="91440" bIns="45720" rtlCol="0" anchor="ctr"/>
           <a:lstStyle>
             <a:lvl1pPr algn="l">
-              <a:defRPr sz="1200">
+              <a:defRPr sz="441">
                 <a:solidFill>
                   <a:schemeClr val="tx1">
                     <a:tint val="82000"/>
@@ -2930,7 +2568,7 @@
           <a:p>
             <a:fld id="{DB444E9D-F90D-0145-811E-74FF77FAAD65}" type="datetimeFigureOut">
               <a:rPr lang="en-CN" smtClean="0"/>
-              <a:t>2025/4/13</a:t>
+              <a:t>2025/4/16</a:t>
             </a:fld>
             <a:endParaRPr lang="en-CN"/>
           </a:p>
@@ -2938,13 +2576,7 @@
       </p:sp>
       <p:sp>
         <p:nvSpPr>
-          <p:cNvPr id="5" name="Footer Placeholder 4">
-            <a:extLst>
-              <a:ext uri="{FF2B5EF4-FFF2-40B4-BE49-F238E27FC236}">
-                <a16:creationId xmlns:a16="http://schemas.microsoft.com/office/drawing/2014/main" id="{12F6805E-BC29-ECFF-B35B-3AA9FECA8F6A}"/>
-              </a:ext>
-            </a:extLst>
-          </p:cNvPr>
+          <p:cNvPr id="5" name="Footer Placeholder 4"/>
           <p:cNvSpPr>
             <a:spLocks noGrp="1"/>
           </p:cNvSpPr>
@@ -2954,8 +2586,8 @@
         </p:nvSpPr>
         <p:spPr>
           <a:xfrm>
-            <a:off x="4038600" y="6356350"/>
-            <a:ext cx="4114800" cy="365125"/>
+            <a:off x="1192649" y="2335077"/>
+            <a:ext cx="1215152" cy="134133"/>
           </a:xfrm>
           <a:prstGeom prst="rect">
             <a:avLst/>
@@ -2965,7 +2597,7 @@
           <a:bodyPr vert="horz" lIns="91440" tIns="45720" rIns="91440" bIns="45720" rtlCol="0" anchor="ctr"/>
           <a:lstStyle>
             <a:lvl1pPr algn="ctr">
-              <a:defRPr sz="1200">
+              <a:defRPr sz="441">
                 <a:solidFill>
                   <a:schemeClr val="tx1">
                     <a:tint val="82000"/>
@@ -2981,13 +2613,7 @@
       </p:sp>
       <p:sp>
         <p:nvSpPr>
-          <p:cNvPr id="6" name="Slide Number Placeholder 5">
-            <a:extLst>
-              <a:ext uri="{FF2B5EF4-FFF2-40B4-BE49-F238E27FC236}">
-                <a16:creationId xmlns:a16="http://schemas.microsoft.com/office/drawing/2014/main" id="{820A964D-D73C-90D5-ECAA-98DF12B78BF9}"/>
-              </a:ext>
-            </a:extLst>
-          </p:cNvPr>
+          <p:cNvPr id="6" name="Slide Number Placeholder 5"/>
           <p:cNvSpPr>
             <a:spLocks noGrp="1"/>
           </p:cNvSpPr>
@@ -2997,8 +2623,8 @@
         </p:nvSpPr>
         <p:spPr>
           <a:xfrm>
-            <a:off x="8610600" y="6356350"/>
-            <a:ext cx="2743200" cy="365125"/>
+            <a:off x="2542818" y="2335077"/>
+            <a:ext cx="810101" cy="134133"/>
           </a:xfrm>
           <a:prstGeom prst="rect">
             <a:avLst/>
@@ -3008,7 +2634,7 @@
           <a:bodyPr vert="horz" lIns="91440" tIns="45720" rIns="91440" bIns="45720" rtlCol="0" anchor="ctr"/>
           <a:lstStyle>
             <a:lvl1pPr algn="r">
-              <a:defRPr sz="1200">
+              <a:defRPr sz="441">
                 <a:solidFill>
                   <a:schemeClr val="tx1">
                     <a:tint val="82000"/>
@@ -3029,27 +2655,27 @@
     </p:spTree>
     <p:extLst>
       <p:ext uri="{BB962C8B-B14F-4D97-AF65-F5344CB8AC3E}">
-        <p14:creationId xmlns:p14="http://schemas.microsoft.com/office/powerpoint/2010/main" val="3904759548"/>
+        <p14:creationId xmlns:p14="http://schemas.microsoft.com/office/powerpoint/2010/main" val="2696550186"/>
       </p:ext>
     </p:extLst>
   </p:cSld>
   <p:clrMap bg1="lt1" tx1="dk1" bg2="lt2" tx2="dk2" accent1="accent1" accent2="accent2" accent3="accent3" accent4="accent4" accent5="accent5" accent6="accent6" hlink="hlink" folHlink="folHlink"/>
   <p:sldLayoutIdLst>
-    <p:sldLayoutId id="2147483649" r:id="rId1"/>
-    <p:sldLayoutId id="2147483650" r:id="rId2"/>
-    <p:sldLayoutId id="2147483651" r:id="rId3"/>
-    <p:sldLayoutId id="2147483652" r:id="rId4"/>
-    <p:sldLayoutId id="2147483653" r:id="rId5"/>
-    <p:sldLayoutId id="2147483654" r:id="rId6"/>
-    <p:sldLayoutId id="2147483655" r:id="rId7"/>
-    <p:sldLayoutId id="2147483656" r:id="rId8"/>
-    <p:sldLayoutId id="2147483657" r:id="rId9"/>
-    <p:sldLayoutId id="2147483658" r:id="rId10"/>
-    <p:sldLayoutId id="2147483659" r:id="rId11"/>
+    <p:sldLayoutId id="2147483661" r:id="rId1"/>
+    <p:sldLayoutId id="2147483662" r:id="rId2"/>
+    <p:sldLayoutId id="2147483663" r:id="rId3"/>
+    <p:sldLayoutId id="2147483664" r:id="rId4"/>
+    <p:sldLayoutId id="2147483665" r:id="rId5"/>
+    <p:sldLayoutId id="2147483666" r:id="rId6"/>
+    <p:sldLayoutId id="2147483667" r:id="rId7"/>
+    <p:sldLayoutId id="2147483668" r:id="rId8"/>
+    <p:sldLayoutId id="2147483669" r:id="rId9"/>
+    <p:sldLayoutId id="2147483670" r:id="rId10"/>
+    <p:sldLayoutId id="2147483671" r:id="rId11"/>
   </p:sldLayoutIdLst>
   <p:txStyles>
     <p:titleStyle>
-      <a:lvl1pPr algn="l" defTabSz="914400" rtl="0" eaLnBrk="1" latinLnBrk="0" hangingPunct="1">
+      <a:lvl1pPr algn="l" defTabSz="335951" rtl="0" eaLnBrk="1" latinLnBrk="0" hangingPunct="1">
         <a:lnSpc>
           <a:spcPct val="90000"/>
         </a:lnSpc>
@@ -3057,7 +2683,7 @@
           <a:spcPct val="0"/>
         </a:spcBef>
         <a:buNone/>
-        <a:defRPr sz="4400" kern="1200">
+        <a:defRPr sz="1617" kern="1200">
           <a:solidFill>
             <a:schemeClr val="tx1"/>
           </a:solidFill>
@@ -3068,16 +2694,16 @@
       </a:lvl1pPr>
     </p:titleStyle>
     <p:bodyStyle>
-      <a:lvl1pPr marL="228600" indent="-228600" algn="l" defTabSz="914400" rtl="0" eaLnBrk="1" latinLnBrk="0" hangingPunct="1">
+      <a:lvl1pPr marL="83988" indent="-83988" algn="l" defTabSz="335951" rtl="0" eaLnBrk="1" latinLnBrk="0" hangingPunct="1">
         <a:lnSpc>
           <a:spcPct val="90000"/>
         </a:lnSpc>
         <a:spcBef>
-          <a:spcPts val="1000"/>
+          <a:spcPts val="367"/>
         </a:spcBef>
         <a:buFont typeface="Arial" panose="020B0604020202020204" pitchFamily="34" charset="0"/>
         <a:buChar char="•"/>
-        <a:defRPr sz="2800" kern="1200">
+        <a:defRPr sz="1029" kern="1200">
           <a:solidFill>
             <a:schemeClr val="tx1"/>
           </a:solidFill>
@@ -3086,16 +2712,16 @@
           <a:cs typeface="+mn-cs"/>
         </a:defRPr>
       </a:lvl1pPr>
-      <a:lvl2pPr marL="685800" indent="-228600" algn="l" defTabSz="914400" rtl="0" eaLnBrk="1" latinLnBrk="0" hangingPunct="1">
+      <a:lvl2pPr marL="251963" indent="-83988" algn="l" defTabSz="335951" rtl="0" eaLnBrk="1" latinLnBrk="0" hangingPunct="1">
         <a:lnSpc>
           <a:spcPct val="90000"/>
         </a:lnSpc>
         <a:spcBef>
-          <a:spcPts val="500"/>
+          <a:spcPts val="184"/>
         </a:spcBef>
         <a:buFont typeface="Arial" panose="020B0604020202020204" pitchFamily="34" charset="0"/>
         <a:buChar char="•"/>
-        <a:defRPr sz="2400" kern="1200">
+        <a:defRPr sz="882" kern="1200">
           <a:solidFill>
             <a:schemeClr val="tx1"/>
           </a:solidFill>
@@ -3104,16 +2730,16 @@
           <a:cs typeface="+mn-cs"/>
         </a:defRPr>
       </a:lvl2pPr>
-      <a:lvl3pPr marL="1143000" indent="-228600" algn="l" defTabSz="914400" rtl="0" eaLnBrk="1" latinLnBrk="0" hangingPunct="1">
+      <a:lvl3pPr marL="419938" indent="-83988" algn="l" defTabSz="335951" rtl="0" eaLnBrk="1" latinLnBrk="0" hangingPunct="1">
         <a:lnSpc>
           <a:spcPct val="90000"/>
         </a:lnSpc>
         <a:spcBef>
-          <a:spcPts val="500"/>
+          <a:spcPts val="184"/>
         </a:spcBef>
         <a:buFont typeface="Arial" panose="020B0604020202020204" pitchFamily="34" charset="0"/>
         <a:buChar char="•"/>
-        <a:defRPr sz="2000" kern="1200">
+        <a:defRPr sz="735" kern="1200">
           <a:solidFill>
             <a:schemeClr val="tx1"/>
           </a:solidFill>
@@ -3122,16 +2748,16 @@
           <a:cs typeface="+mn-cs"/>
         </a:defRPr>
       </a:lvl3pPr>
-      <a:lvl4pPr marL="1600200" indent="-228600" algn="l" defTabSz="914400" rtl="0" eaLnBrk="1" latinLnBrk="0" hangingPunct="1">
+      <a:lvl4pPr marL="587913" indent="-83988" algn="l" defTabSz="335951" rtl="0" eaLnBrk="1" latinLnBrk="0" hangingPunct="1">
         <a:lnSpc>
           <a:spcPct val="90000"/>
         </a:lnSpc>
         <a:spcBef>
-          <a:spcPts val="500"/>
+          <a:spcPts val="184"/>
         </a:spcBef>
         <a:buFont typeface="Arial" panose="020B0604020202020204" pitchFamily="34" charset="0"/>
         <a:buChar char="•"/>
-        <a:defRPr sz="1800" kern="1200">
+        <a:defRPr sz="661" kern="1200">
           <a:solidFill>
             <a:schemeClr val="tx1"/>
           </a:solidFill>
@@ -3140,16 +2766,16 @@
           <a:cs typeface="+mn-cs"/>
         </a:defRPr>
       </a:lvl4pPr>
-      <a:lvl5pPr marL="2057400" indent="-228600" algn="l" defTabSz="914400" rtl="0" eaLnBrk="1" latinLnBrk="0" hangingPunct="1">
+      <a:lvl5pPr marL="755889" indent="-83988" algn="l" defTabSz="335951" rtl="0" eaLnBrk="1" latinLnBrk="0" hangingPunct="1">
         <a:lnSpc>
           <a:spcPct val="90000"/>
         </a:lnSpc>
         <a:spcBef>
-          <a:spcPts val="500"/>
+          <a:spcPts val="184"/>
         </a:spcBef>
         <a:buFont typeface="Arial" panose="020B0604020202020204" pitchFamily="34" charset="0"/>
         <a:buChar char="•"/>
-        <a:defRPr sz="1800" kern="1200">
+        <a:defRPr sz="661" kern="1200">
           <a:solidFill>
             <a:schemeClr val="tx1"/>
           </a:solidFill>
@@ -3158,16 +2784,16 @@
           <a:cs typeface="+mn-cs"/>
         </a:defRPr>
       </a:lvl5pPr>
-      <a:lvl6pPr marL="2514600" indent="-228600" algn="l" defTabSz="914400" rtl="0" eaLnBrk="1" latinLnBrk="0" hangingPunct="1">
+      <a:lvl6pPr marL="923864" indent="-83988" algn="l" defTabSz="335951" rtl="0" eaLnBrk="1" latinLnBrk="0" hangingPunct="1">
         <a:lnSpc>
           <a:spcPct val="90000"/>
         </a:lnSpc>
         <a:spcBef>
-          <a:spcPts val="500"/>
+          <a:spcPts val="184"/>
         </a:spcBef>
         <a:buFont typeface="Arial" panose="020B0604020202020204" pitchFamily="34" charset="0"/>
         <a:buChar char="•"/>
-        <a:defRPr sz="1800" kern="1200">
+        <a:defRPr sz="661" kern="1200">
           <a:solidFill>
             <a:schemeClr val="tx1"/>
           </a:solidFill>
@@ -3176,16 +2802,16 @@
           <a:cs typeface="+mn-cs"/>
         </a:defRPr>
       </a:lvl6pPr>
-      <a:lvl7pPr marL="2971800" indent="-228600" algn="l" defTabSz="914400" rtl="0" eaLnBrk="1" latinLnBrk="0" hangingPunct="1">
+      <a:lvl7pPr marL="1091839" indent="-83988" algn="l" defTabSz="335951" rtl="0" eaLnBrk="1" latinLnBrk="0" hangingPunct="1">
         <a:lnSpc>
           <a:spcPct val="90000"/>
         </a:lnSpc>
         <a:spcBef>
-          <a:spcPts val="500"/>
+          <a:spcPts val="184"/>
         </a:spcBef>
         <a:buFont typeface="Arial" panose="020B0604020202020204" pitchFamily="34" charset="0"/>
         <a:buChar char="•"/>
-        <a:defRPr sz="1800" kern="1200">
+        <a:defRPr sz="661" kern="1200">
           <a:solidFill>
             <a:schemeClr val="tx1"/>
           </a:solidFill>
@@ -3194,16 +2820,16 @@
           <a:cs typeface="+mn-cs"/>
         </a:defRPr>
       </a:lvl7pPr>
-      <a:lvl8pPr marL="3429000" indent="-228600" algn="l" defTabSz="914400" rtl="0" eaLnBrk="1" latinLnBrk="0" hangingPunct="1">
+      <a:lvl8pPr marL="1259815" indent="-83988" algn="l" defTabSz="335951" rtl="0" eaLnBrk="1" latinLnBrk="0" hangingPunct="1">
         <a:lnSpc>
           <a:spcPct val="90000"/>
         </a:lnSpc>
         <a:spcBef>
-          <a:spcPts val="500"/>
+          <a:spcPts val="184"/>
         </a:spcBef>
         <a:buFont typeface="Arial" panose="020B0604020202020204" pitchFamily="34" charset="0"/>
         <a:buChar char="•"/>
-        <a:defRPr sz="1800" kern="1200">
+        <a:defRPr sz="661" kern="1200">
           <a:solidFill>
             <a:schemeClr val="tx1"/>
           </a:solidFill>
@@ -3212,16 +2838,16 @@
           <a:cs typeface="+mn-cs"/>
         </a:defRPr>
       </a:lvl8pPr>
-      <a:lvl9pPr marL="3886200" indent="-228600" algn="l" defTabSz="914400" rtl="0" eaLnBrk="1" latinLnBrk="0" hangingPunct="1">
+      <a:lvl9pPr marL="1427790" indent="-83988" algn="l" defTabSz="335951" rtl="0" eaLnBrk="1" latinLnBrk="0" hangingPunct="1">
         <a:lnSpc>
           <a:spcPct val="90000"/>
         </a:lnSpc>
         <a:spcBef>
-          <a:spcPts val="500"/>
+          <a:spcPts val="184"/>
         </a:spcBef>
         <a:buFont typeface="Arial" panose="020B0604020202020204" pitchFamily="34" charset="0"/>
         <a:buChar char="•"/>
-        <a:defRPr sz="1800" kern="1200">
+        <a:defRPr sz="661" kern="1200">
           <a:solidFill>
             <a:schemeClr val="tx1"/>
           </a:solidFill>
@@ -3233,10 +2859,10 @@
     </p:bodyStyle>
     <p:otherStyle>
       <a:defPPr>
-        <a:defRPr lang="en-CN"/>
+        <a:defRPr lang="en-US"/>
       </a:defPPr>
-      <a:lvl1pPr marL="0" algn="l" defTabSz="914400" rtl="0" eaLnBrk="1" latinLnBrk="0" hangingPunct="1">
-        <a:defRPr sz="1800" kern="1200">
+      <a:lvl1pPr marL="0" algn="l" defTabSz="335951" rtl="0" eaLnBrk="1" latinLnBrk="0" hangingPunct="1">
+        <a:defRPr sz="661" kern="1200">
           <a:solidFill>
             <a:schemeClr val="tx1"/>
           </a:solidFill>
@@ -3245,8 +2871,8 @@
           <a:cs typeface="+mn-cs"/>
         </a:defRPr>
       </a:lvl1pPr>
-      <a:lvl2pPr marL="457200" algn="l" defTabSz="914400" rtl="0" eaLnBrk="1" latinLnBrk="0" hangingPunct="1">
-        <a:defRPr sz="1800" kern="1200">
+      <a:lvl2pPr marL="167975" algn="l" defTabSz="335951" rtl="0" eaLnBrk="1" latinLnBrk="0" hangingPunct="1">
+        <a:defRPr sz="661" kern="1200">
           <a:solidFill>
             <a:schemeClr val="tx1"/>
           </a:solidFill>
@@ -3255,8 +2881,8 @@
           <a:cs typeface="+mn-cs"/>
         </a:defRPr>
       </a:lvl2pPr>
-      <a:lvl3pPr marL="914400" algn="l" defTabSz="914400" rtl="0" eaLnBrk="1" latinLnBrk="0" hangingPunct="1">
-        <a:defRPr sz="1800" kern="1200">
+      <a:lvl3pPr marL="335951" algn="l" defTabSz="335951" rtl="0" eaLnBrk="1" latinLnBrk="0" hangingPunct="1">
+        <a:defRPr sz="661" kern="1200">
           <a:solidFill>
             <a:schemeClr val="tx1"/>
           </a:solidFill>
@@ -3265,8 +2891,8 @@
           <a:cs typeface="+mn-cs"/>
         </a:defRPr>
       </a:lvl3pPr>
-      <a:lvl4pPr marL="1371600" algn="l" defTabSz="914400" rtl="0" eaLnBrk="1" latinLnBrk="0" hangingPunct="1">
-        <a:defRPr sz="1800" kern="1200">
+      <a:lvl4pPr marL="503926" algn="l" defTabSz="335951" rtl="0" eaLnBrk="1" latinLnBrk="0" hangingPunct="1">
+        <a:defRPr sz="661" kern="1200">
           <a:solidFill>
             <a:schemeClr val="tx1"/>
           </a:solidFill>
@@ -3275,8 +2901,8 @@
           <a:cs typeface="+mn-cs"/>
         </a:defRPr>
       </a:lvl4pPr>
-      <a:lvl5pPr marL="1828800" algn="l" defTabSz="914400" rtl="0" eaLnBrk="1" latinLnBrk="0" hangingPunct="1">
-        <a:defRPr sz="1800" kern="1200">
+      <a:lvl5pPr marL="671901" algn="l" defTabSz="335951" rtl="0" eaLnBrk="1" latinLnBrk="0" hangingPunct="1">
+        <a:defRPr sz="661" kern="1200">
           <a:solidFill>
             <a:schemeClr val="tx1"/>
           </a:solidFill>
@@ -3285,8 +2911,8 @@
           <a:cs typeface="+mn-cs"/>
         </a:defRPr>
       </a:lvl5pPr>
-      <a:lvl6pPr marL="2286000" algn="l" defTabSz="914400" rtl="0" eaLnBrk="1" latinLnBrk="0" hangingPunct="1">
-        <a:defRPr sz="1800" kern="1200">
+      <a:lvl6pPr marL="839876" algn="l" defTabSz="335951" rtl="0" eaLnBrk="1" latinLnBrk="0" hangingPunct="1">
+        <a:defRPr sz="661" kern="1200">
           <a:solidFill>
             <a:schemeClr val="tx1"/>
           </a:solidFill>
@@ -3295,8 +2921,8 @@
           <a:cs typeface="+mn-cs"/>
         </a:defRPr>
       </a:lvl6pPr>
-      <a:lvl7pPr marL="2743200" algn="l" defTabSz="914400" rtl="0" eaLnBrk="1" latinLnBrk="0" hangingPunct="1">
-        <a:defRPr sz="1800" kern="1200">
+      <a:lvl7pPr marL="1007852" algn="l" defTabSz="335951" rtl="0" eaLnBrk="1" latinLnBrk="0" hangingPunct="1">
+        <a:defRPr sz="661" kern="1200">
           <a:solidFill>
             <a:schemeClr val="tx1"/>
           </a:solidFill>
@@ -3305,8 +2931,8 @@
           <a:cs typeface="+mn-cs"/>
         </a:defRPr>
       </a:lvl7pPr>
-      <a:lvl8pPr marL="3200400" algn="l" defTabSz="914400" rtl="0" eaLnBrk="1" latinLnBrk="0" hangingPunct="1">
-        <a:defRPr sz="1800" kern="1200">
+      <a:lvl8pPr marL="1175827" algn="l" defTabSz="335951" rtl="0" eaLnBrk="1" latinLnBrk="0" hangingPunct="1">
+        <a:defRPr sz="661" kern="1200">
           <a:solidFill>
             <a:schemeClr val="tx1"/>
           </a:solidFill>
@@ -3315,8 +2941,8 @@
           <a:cs typeface="+mn-cs"/>
         </a:defRPr>
       </a:lvl8pPr>
-      <a:lvl9pPr marL="3657600" algn="l" defTabSz="914400" rtl="0" eaLnBrk="1" latinLnBrk="0" hangingPunct="1">
-        <a:defRPr sz="1800" kern="1200">
+      <a:lvl9pPr marL="1343802" algn="l" defTabSz="335951" rtl="0" eaLnBrk="1" latinLnBrk="0" hangingPunct="1">
+        <a:defRPr sz="661" kern="1200">
           <a:solidFill>
             <a:schemeClr val="tx1"/>
           </a:solidFill>
@@ -3349,10 +2975,10 @@
       </p:grpSpPr>
       <p:sp>
         <p:nvSpPr>
-          <p:cNvPr id="6" name="Rounded Rectangle 5">
+          <p:cNvPr id="3" name="Rounded Rectangle 2">
             <a:extLst>
               <a:ext uri="{FF2B5EF4-FFF2-40B4-BE49-F238E27FC236}">
-                <a16:creationId xmlns:a16="http://schemas.microsoft.com/office/drawing/2014/main" id="{0027B515-EA9F-93D5-3CEB-A7C510AF5785}"/>
+                <a16:creationId xmlns:a16="http://schemas.microsoft.com/office/drawing/2014/main" id="{95319691-04F0-3CD2-2BEC-2A130D563DAE}"/>
               </a:ext>
             </a:extLst>
           </p:cNvPr>
@@ -3361,20 +2987,26 @@
         </p:nvSpPr>
         <p:spPr>
           <a:xfrm>
-            <a:off x="4992624" y="3978292"/>
+            <a:off x="2113128" y="51672"/>
             <a:ext cx="824400" cy="550800"/>
           </a:xfrm>
           <a:prstGeom prst="roundRect">
             <a:avLst/>
           </a:prstGeom>
           <a:solidFill>
-            <a:schemeClr val="accent2">
-              <a:lumMod val="75000"/>
-            </a:schemeClr>
+            <a:schemeClr val="accent2"/>
           </a:solidFill>
-          <a:ln>
+          <a:ln w="38100">
             <a:noFill/>
           </a:ln>
+          <a:scene3d>
+            <a:camera prst="orthographicFront"/>
+            <a:lightRig rig="threePt" dir="t"/>
+          </a:scene3d>
+          <a:sp3d>
+            <a:bevelT w="152400" h="50800" prst="softRound"/>
+            <a:bevelB w="152400" h="50800" prst="softRound"/>
+          </a:sp3d>
         </p:spPr>
         <p:style>
           <a:lnRef idx="2">
@@ -3415,10 +3047,10 @@
       </p:sp>
       <p:sp>
         <p:nvSpPr>
-          <p:cNvPr id="4" name="Rounded Rectangle 3">
+          <p:cNvPr id="7" name="Rounded Rectangle 6">
             <a:extLst>
               <a:ext uri="{FF2B5EF4-FFF2-40B4-BE49-F238E27FC236}">
-                <a16:creationId xmlns:a16="http://schemas.microsoft.com/office/drawing/2014/main" id="{8D4C1DFB-EA30-0338-341D-E52468441DC2}"/>
+                <a16:creationId xmlns:a16="http://schemas.microsoft.com/office/drawing/2014/main" id="{02B5F399-5870-442E-8439-FABA2A901DDC}"/>
               </a:ext>
             </a:extLst>
           </p:cNvPr>
@@ -3427,18 +3059,25 @@
         </p:nvSpPr>
         <p:spPr>
           <a:xfrm>
-            <a:off x="4895088" y="1356360"/>
+            <a:off x="1075587" y="51672"/>
             <a:ext cx="824400" cy="550800"/>
           </a:xfrm>
           <a:prstGeom prst="roundRect">
             <a:avLst/>
           </a:prstGeom>
           <a:solidFill>
-            <a:srgbClr val="FFC000"/>
+            <a:schemeClr val="accent2"/>
           </a:solidFill>
           <a:ln>
             <a:noFill/>
           </a:ln>
+          <a:scene3d>
+            <a:camera prst="orthographicFront"/>
+            <a:lightRig rig="threePt" dir="t"/>
+          </a:scene3d>
+          <a:sp3d>
+            <a:bevelT w="165100" prst="coolSlant"/>
+          </a:sp3d>
         </p:spPr>
         <p:style>
           <a:lnRef idx="2">
@@ -3479,10 +3118,10 @@
       </p:sp>
       <p:sp>
         <p:nvSpPr>
-          <p:cNvPr id="5" name="Rounded Rectangle 4">
+          <p:cNvPr id="22" name="Rounded Rectangle 21">
             <a:extLst>
               <a:ext uri="{FF2B5EF4-FFF2-40B4-BE49-F238E27FC236}">
-                <a16:creationId xmlns:a16="http://schemas.microsoft.com/office/drawing/2014/main" id="{E6F84960-A772-B29D-8F39-0C29ABBFE8C0}"/>
+                <a16:creationId xmlns:a16="http://schemas.microsoft.com/office/drawing/2014/main" id="{736AF56F-2EE6-B78D-9386-7734A9A4C5B8}"/>
               </a:ext>
             </a:extLst>
           </p:cNvPr>
@@ -3491,18 +3130,25 @@
         </p:nvSpPr>
         <p:spPr>
           <a:xfrm>
-            <a:off x="4895088" y="2855976"/>
+            <a:off x="30017" y="41838"/>
             <a:ext cx="824400" cy="550800"/>
           </a:xfrm>
           <a:prstGeom prst="roundRect">
             <a:avLst/>
           </a:prstGeom>
           <a:solidFill>
-            <a:schemeClr val="accent2"/>
+            <a:srgbClr val="FFC000"/>
           </a:solidFill>
           <a:ln>
             <a:noFill/>
           </a:ln>
+          <a:scene3d>
+            <a:camera prst="orthographicFront"/>
+            <a:lightRig rig="threePt" dir="t"/>
+          </a:scene3d>
+          <a:sp3d>
+            <a:bevelT w="165100" prst="coolSlant"/>
+          </a:sp3d>
         </p:spPr>
         <p:style>
           <a:lnRef idx="2">
@@ -3543,10 +3189,10 @@
       </p:sp>
       <p:sp>
         <p:nvSpPr>
-          <p:cNvPr id="9" name="Rounded Rectangle 8">
+          <p:cNvPr id="23" name="Rounded Rectangle 22">
             <a:extLst>
               <a:ext uri="{FF2B5EF4-FFF2-40B4-BE49-F238E27FC236}">
-                <a16:creationId xmlns:a16="http://schemas.microsoft.com/office/drawing/2014/main" id="{00A3B033-8879-489B-81E7-58483A1B3E36}"/>
+                <a16:creationId xmlns:a16="http://schemas.microsoft.com/office/drawing/2014/main" id="{D2D7F5F3-7151-2960-486C-B85C2D4DE54A}"/>
               </a:ext>
             </a:extLst>
           </p:cNvPr>
@@ -3554,21 +3200,29 @@
           <p:nvPr/>
         </p:nvSpPr>
         <p:spPr>
-          <a:xfrm rot="2700000">
-            <a:off x="5516440" y="4336080"/>
-            <a:ext cx="259560" cy="259560"/>
+          <a:xfrm>
+            <a:off x="176682" y="798041"/>
+            <a:ext cx="136800" cy="136800"/>
           </a:xfrm>
           <a:prstGeom prst="roundRect">
             <a:avLst/>
           </a:prstGeom>
           <a:solidFill>
-            <a:schemeClr val="accent2">
-              <a:lumMod val="75000"/>
+            <a:schemeClr val="tx1">
+              <a:lumMod val="50000"/>
+              <a:lumOff val="50000"/>
             </a:schemeClr>
           </a:solidFill>
           <a:ln>
             <a:noFill/>
           </a:ln>
+          <a:scene3d>
+            <a:camera prst="orthographicFront"/>
+            <a:lightRig rig="threePt" dir="t"/>
+          </a:scene3d>
+          <a:sp3d>
+            <a:bevelT w="165100" prst="coolSlant"/>
+          </a:sp3d>
         </p:spPr>
         <p:style>
           <a:lnRef idx="2">
@@ -3591,16 +3245,28 @@
           <a:lstStyle/>
           <a:p>
             <a:pPr algn="ctr"/>
-            <a:endParaRPr lang="en-CN"/>
-          </a:p>
-        </p:txBody>
-      </p:sp>
-      <p:sp>
-        <p:nvSpPr>
-          <p:cNvPr id="10" name="Rounded Rectangle 9">
+            <a:r>
+              <a:rPr lang="en-US" sz="700" dirty="0">
+                <a:solidFill>
+                  <a:schemeClr val="tx1"/>
+                </a:solidFill>
+              </a:rPr>
+              <a:t>1</a:t>
+            </a:r>
+            <a:endParaRPr lang="en-CN" sz="700" dirty="0">
+              <a:solidFill>
+                <a:schemeClr val="tx1"/>
+              </a:solidFill>
+            </a:endParaRPr>
+          </a:p>
+        </p:txBody>
+      </p:sp>
+      <p:sp>
+        <p:nvSpPr>
+          <p:cNvPr id="2" name="Rounded Rectangle 1">
             <a:extLst>
               <a:ext uri="{FF2B5EF4-FFF2-40B4-BE49-F238E27FC236}">
-                <a16:creationId xmlns:a16="http://schemas.microsoft.com/office/drawing/2014/main" id="{69257E31-9446-A9AE-6AC7-42F0344B7231}"/>
+                <a16:creationId xmlns:a16="http://schemas.microsoft.com/office/drawing/2014/main" id="{E6C58F51-0F3D-A599-2A57-BAFFD12ADD62}"/>
               </a:ext>
             </a:extLst>
           </p:cNvPr>
@@ -3608,21 +3274,27 @@
           <p:nvPr/>
         </p:nvSpPr>
         <p:spPr>
-          <a:xfrm rot="2700000">
-            <a:off x="4936112" y="4017058"/>
-            <a:ext cx="259560" cy="259560"/>
+          <a:xfrm>
+            <a:off x="1222094" y="1122881"/>
+            <a:ext cx="410399" cy="273600"/>
           </a:xfrm>
           <a:prstGeom prst="roundRect">
             <a:avLst/>
           </a:prstGeom>
           <a:solidFill>
-            <a:schemeClr val="accent2">
-              <a:lumMod val="75000"/>
-            </a:schemeClr>
+            <a:schemeClr val="accent2"/>
           </a:solidFill>
-          <a:ln>
+          <a:ln w="38100">
             <a:noFill/>
           </a:ln>
+          <a:scene3d>
+            <a:camera prst="orthographicFront"/>
+            <a:lightRig rig="threePt" dir="t"/>
+          </a:scene3d>
+          <a:sp3d>
+            <a:bevelT w="152400" h="50800" prst="softRound"/>
+            <a:bevelB w="152400" h="50800" prst="softRound"/>
+          </a:sp3d>
         </p:spPr>
         <p:style>
           <a:lnRef idx="2">
@@ -3645,16 +3317,28 @@
           <a:lstStyle/>
           <a:p>
             <a:pPr algn="ctr"/>
-            <a:endParaRPr lang="en-CN"/>
-          </a:p>
-        </p:txBody>
-      </p:sp>
-      <p:sp>
-        <p:nvSpPr>
-          <p:cNvPr id="2" name="Rounded Rectangle 1">
+            <a:r>
+              <a:rPr lang="en-US" sz="600" dirty="0">
+                <a:solidFill>
+                  <a:schemeClr val="tx1"/>
+                </a:solidFill>
+              </a:rPr>
+              <a:t>Menu</a:t>
+            </a:r>
+            <a:endParaRPr lang="en-CN" sz="600" dirty="0">
+              <a:solidFill>
+                <a:schemeClr val="tx1"/>
+              </a:solidFill>
+            </a:endParaRPr>
+          </a:p>
+        </p:txBody>
+      </p:sp>
+      <p:sp>
+        <p:nvSpPr>
+          <p:cNvPr id="4" name="Rounded Rectangle 3">
             <a:extLst>
               <a:ext uri="{FF2B5EF4-FFF2-40B4-BE49-F238E27FC236}">
-                <a16:creationId xmlns:a16="http://schemas.microsoft.com/office/drawing/2014/main" id="{0D8F3A37-EBCE-4364-8A4D-45B935036D1E}"/>
+                <a16:creationId xmlns:a16="http://schemas.microsoft.com/office/drawing/2014/main" id="{CB88F706-BEE9-243D-43A2-B51B10565D6E}"/>
               </a:ext>
             </a:extLst>
           </p:cNvPr>
@@ -3663,8 +3347,8 @@
         </p:nvSpPr>
         <p:spPr>
           <a:xfrm>
-            <a:off x="4895088" y="4080192"/>
-            <a:ext cx="824400" cy="550800"/>
+            <a:off x="665188" y="1122881"/>
+            <a:ext cx="410399" cy="273600"/>
           </a:xfrm>
           <a:prstGeom prst="roundRect">
             <a:avLst/>
@@ -3675,6 +3359,13 @@
           <a:ln>
             <a:noFill/>
           </a:ln>
+          <a:scene3d>
+            <a:camera prst="orthographicFront"/>
+            <a:lightRig rig="threePt" dir="t"/>
+          </a:scene3d>
+          <a:sp3d>
+            <a:bevelT w="165100" prst="coolSlant"/>
+          </a:sp3d>
         </p:spPr>
         <p:style>
           <a:lnRef idx="2">
@@ -3698,14 +3389,14 @@
           <a:p>
             <a:pPr algn="ctr"/>
             <a:r>
-              <a:rPr lang="en-US" sz="2000" dirty="0">
+              <a:rPr lang="en-US" sz="600" dirty="0">
                 <a:solidFill>
                   <a:schemeClr val="tx1"/>
                 </a:solidFill>
               </a:rPr>
-              <a:t>Play!</a:t>
-            </a:r>
-            <a:endParaRPr lang="en-CN" sz="2000" dirty="0">
+              <a:t>Menu</a:t>
+            </a:r>
+            <a:endParaRPr lang="en-CN" sz="600" dirty="0">
               <a:solidFill>
                 <a:schemeClr val="tx1"/>
               </a:solidFill>
@@ -3713,271 +3404,12 @@
           </a:p>
         </p:txBody>
       </p:sp>
-      <p:grpSp>
-        <p:nvGrpSpPr>
-          <p:cNvPr id="15" name="Group 14">
+      <p:sp>
+        <p:nvSpPr>
+          <p:cNvPr id="5" name="Rounded Rectangle 4">
             <a:extLst>
               <a:ext uri="{FF2B5EF4-FFF2-40B4-BE49-F238E27FC236}">
-                <a16:creationId xmlns:a16="http://schemas.microsoft.com/office/drawing/2014/main" id="{1053641C-2DC7-76DA-18A0-08A394FAA4BE}"/>
-              </a:ext>
-            </a:extLst>
-          </p:cNvPr>
-          <p:cNvGrpSpPr/>
-          <p:nvPr/>
-        </p:nvGrpSpPr>
-        <p:grpSpPr>
-          <a:xfrm rot="10800000">
-            <a:off x="6595872" y="3963301"/>
-            <a:ext cx="921936" cy="652700"/>
-            <a:chOff x="7900416" y="4113745"/>
-            <a:chExt cx="921936" cy="652700"/>
-          </a:xfrm>
-        </p:grpSpPr>
-        <p:sp>
-          <p:nvSpPr>
-            <p:cNvPr id="11" name="Rounded Rectangle 10">
-              <a:extLst>
-                <a:ext uri="{FF2B5EF4-FFF2-40B4-BE49-F238E27FC236}">
-                  <a16:creationId xmlns:a16="http://schemas.microsoft.com/office/drawing/2014/main" id="{E02A9990-53B1-AFBF-9FEC-D1E31F778592}"/>
-                </a:ext>
-              </a:extLst>
-            </p:cNvPr>
-            <p:cNvSpPr/>
-            <p:nvPr/>
-          </p:nvSpPr>
-          <p:spPr>
-            <a:xfrm>
-              <a:off x="7997952" y="4113745"/>
-              <a:ext cx="824400" cy="550800"/>
-            </a:xfrm>
-            <a:prstGeom prst="roundRect">
-              <a:avLst/>
-            </a:prstGeom>
-            <a:solidFill>
-              <a:schemeClr val="accent2">
-                <a:lumMod val="75000"/>
-              </a:schemeClr>
-            </a:solidFill>
-            <a:ln>
-              <a:noFill/>
-            </a:ln>
-          </p:spPr>
-          <p:style>
-            <a:lnRef idx="2">
-              <a:schemeClr val="accent1">
-                <a:shade val="15000"/>
-              </a:schemeClr>
-            </a:lnRef>
-            <a:fillRef idx="1">
-              <a:schemeClr val="accent1"/>
-            </a:fillRef>
-            <a:effectRef idx="0">
-              <a:schemeClr val="accent1"/>
-            </a:effectRef>
-            <a:fontRef idx="minor">
-              <a:schemeClr val="lt1"/>
-            </a:fontRef>
-          </p:style>
-          <p:txBody>
-            <a:bodyPr rtlCol="0" anchor="ctr"/>
-            <a:lstStyle/>
-            <a:p>
-              <a:pPr algn="ctr"/>
-              <a:r>
-                <a:rPr lang="en-US" sz="2000" dirty="0">
-                  <a:solidFill>
-                    <a:schemeClr val="tx1"/>
-                  </a:solidFill>
-                </a:rPr>
-                <a:t>Play!</a:t>
-              </a:r>
-              <a:endParaRPr lang="en-CN" sz="2000" dirty="0">
-                <a:solidFill>
-                  <a:schemeClr val="tx1"/>
-                </a:solidFill>
-              </a:endParaRPr>
-            </a:p>
-          </p:txBody>
-        </p:sp>
-        <p:sp>
-          <p:nvSpPr>
-            <p:cNvPr id="12" name="Rounded Rectangle 11">
-              <a:extLst>
-                <a:ext uri="{FF2B5EF4-FFF2-40B4-BE49-F238E27FC236}">
-                  <a16:creationId xmlns:a16="http://schemas.microsoft.com/office/drawing/2014/main" id="{65668079-4814-9873-050F-51EDD72A4DFD}"/>
-                </a:ext>
-              </a:extLst>
-            </p:cNvPr>
-            <p:cNvSpPr/>
-            <p:nvPr/>
-          </p:nvSpPr>
-          <p:spPr>
-            <a:xfrm rot="2700000">
-              <a:off x="8521768" y="4471533"/>
-              <a:ext cx="259560" cy="259560"/>
-            </a:xfrm>
-            <a:prstGeom prst="roundRect">
-              <a:avLst/>
-            </a:prstGeom>
-            <a:solidFill>
-              <a:schemeClr val="accent2">
-                <a:lumMod val="75000"/>
-              </a:schemeClr>
-            </a:solidFill>
-            <a:ln>
-              <a:noFill/>
-            </a:ln>
-          </p:spPr>
-          <p:style>
-            <a:lnRef idx="2">
-              <a:schemeClr val="accent1">
-                <a:shade val="15000"/>
-              </a:schemeClr>
-            </a:lnRef>
-            <a:fillRef idx="1">
-              <a:schemeClr val="accent1"/>
-            </a:fillRef>
-            <a:effectRef idx="0">
-              <a:schemeClr val="accent1"/>
-            </a:effectRef>
-            <a:fontRef idx="minor">
-              <a:schemeClr val="lt1"/>
-            </a:fontRef>
-          </p:style>
-          <p:txBody>
-            <a:bodyPr rtlCol="0" anchor="ctr"/>
-            <a:lstStyle/>
-            <a:p>
-              <a:pPr algn="ctr"/>
-              <a:endParaRPr lang="en-CN"/>
-            </a:p>
-          </p:txBody>
-        </p:sp>
-        <p:sp>
-          <p:nvSpPr>
-            <p:cNvPr id="13" name="Rounded Rectangle 12">
-              <a:extLst>
-                <a:ext uri="{FF2B5EF4-FFF2-40B4-BE49-F238E27FC236}">
-                  <a16:creationId xmlns:a16="http://schemas.microsoft.com/office/drawing/2014/main" id="{24FFF6ED-A6BD-39BA-1156-02B5F8740A4A}"/>
-                </a:ext>
-              </a:extLst>
-            </p:cNvPr>
-            <p:cNvSpPr/>
-            <p:nvPr/>
-          </p:nvSpPr>
-          <p:spPr>
-            <a:xfrm rot="2700000">
-              <a:off x="7941440" y="4152511"/>
-              <a:ext cx="259560" cy="259560"/>
-            </a:xfrm>
-            <a:prstGeom prst="roundRect">
-              <a:avLst/>
-            </a:prstGeom>
-            <a:solidFill>
-              <a:schemeClr val="accent2">
-                <a:lumMod val="75000"/>
-              </a:schemeClr>
-            </a:solidFill>
-            <a:ln>
-              <a:noFill/>
-            </a:ln>
-          </p:spPr>
-          <p:style>
-            <a:lnRef idx="2">
-              <a:schemeClr val="accent1">
-                <a:shade val="15000"/>
-              </a:schemeClr>
-            </a:lnRef>
-            <a:fillRef idx="1">
-              <a:schemeClr val="accent1"/>
-            </a:fillRef>
-            <a:effectRef idx="0">
-              <a:schemeClr val="accent1"/>
-            </a:effectRef>
-            <a:fontRef idx="minor">
-              <a:schemeClr val="lt1"/>
-            </a:fontRef>
-          </p:style>
-          <p:txBody>
-            <a:bodyPr rtlCol="0" anchor="ctr"/>
-            <a:lstStyle/>
-            <a:p>
-              <a:pPr algn="ctr"/>
-              <a:endParaRPr lang="en-CN"/>
-            </a:p>
-          </p:txBody>
-        </p:sp>
-        <p:sp>
-          <p:nvSpPr>
-            <p:cNvPr id="14" name="Rounded Rectangle 13">
-              <a:extLst>
-                <a:ext uri="{FF2B5EF4-FFF2-40B4-BE49-F238E27FC236}">
-                  <a16:creationId xmlns:a16="http://schemas.microsoft.com/office/drawing/2014/main" id="{BA59BC5D-215C-535A-9BEF-9665FC84E759}"/>
-                </a:ext>
-              </a:extLst>
-            </p:cNvPr>
-            <p:cNvSpPr/>
-            <p:nvPr/>
-          </p:nvSpPr>
-          <p:spPr>
-            <a:xfrm rot="10800000">
-              <a:off x="7900416" y="4215645"/>
-              <a:ext cx="824400" cy="550800"/>
-            </a:xfrm>
-            <a:prstGeom prst="roundRect">
-              <a:avLst/>
-            </a:prstGeom>
-            <a:solidFill>
-              <a:schemeClr val="accent2"/>
-            </a:solidFill>
-            <a:ln>
-              <a:noFill/>
-            </a:ln>
-          </p:spPr>
-          <p:style>
-            <a:lnRef idx="2">
-              <a:schemeClr val="accent1">
-                <a:shade val="15000"/>
-              </a:schemeClr>
-            </a:lnRef>
-            <a:fillRef idx="1">
-              <a:schemeClr val="accent1"/>
-            </a:fillRef>
-            <a:effectRef idx="0">
-              <a:schemeClr val="accent1"/>
-            </a:effectRef>
-            <a:fontRef idx="minor">
-              <a:schemeClr val="lt1"/>
-            </a:fontRef>
-          </p:style>
-          <p:txBody>
-            <a:bodyPr rtlCol="0" anchor="ctr"/>
-            <a:lstStyle/>
-            <a:p>
-              <a:pPr algn="ctr"/>
-              <a:r>
-                <a:rPr lang="en-US" sz="2000" dirty="0">
-                  <a:solidFill>
-                    <a:schemeClr val="tx1"/>
-                  </a:solidFill>
-                </a:rPr>
-                <a:t>Play!</a:t>
-              </a:r>
-              <a:endParaRPr lang="en-CN" sz="2000" dirty="0">
-                <a:solidFill>
-                  <a:schemeClr val="tx1"/>
-                </a:solidFill>
-              </a:endParaRPr>
-            </a:p>
-          </p:txBody>
-        </p:sp>
-      </p:grpSp>
-      <p:sp>
-        <p:nvSpPr>
-          <p:cNvPr id="16" name="Rounded Rectangle 15">
-            <a:extLst>
-              <a:ext uri="{FF2B5EF4-FFF2-40B4-BE49-F238E27FC236}">
-                <a16:creationId xmlns:a16="http://schemas.microsoft.com/office/drawing/2014/main" id="{6361AB97-2C97-A1EC-C3A1-BFB35BC1EE4B}"/>
+                <a16:creationId xmlns:a16="http://schemas.microsoft.com/office/drawing/2014/main" id="{33D46427-D46C-DC00-99A8-014986779C2C}"/>
               </a:ext>
             </a:extLst>
           </p:cNvPr>
@@ -3986,20 +3418,25 @@
         </p:nvSpPr>
         <p:spPr>
           <a:xfrm>
-            <a:off x="9497568" y="3397477"/>
-            <a:ext cx="824400" cy="550800"/>
+            <a:off x="108282" y="1140244"/>
+            <a:ext cx="410399" cy="273600"/>
           </a:xfrm>
           <a:prstGeom prst="roundRect">
             <a:avLst/>
           </a:prstGeom>
           <a:solidFill>
-            <a:schemeClr val="accent2">
-              <a:lumMod val="75000"/>
-            </a:schemeClr>
+            <a:srgbClr val="FFC000"/>
           </a:solidFill>
           <a:ln>
             <a:noFill/>
           </a:ln>
+          <a:scene3d>
+            <a:camera prst="orthographicFront"/>
+            <a:lightRig rig="threePt" dir="t"/>
+          </a:scene3d>
+          <a:sp3d>
+            <a:bevelT w="165100" prst="coolSlant"/>
+          </a:sp3d>
         </p:spPr>
         <p:style>
           <a:lnRef idx="2">
@@ -4023,323 +3460,14 @@
           <a:p>
             <a:pPr algn="ctr"/>
             <a:r>
-              <a:rPr lang="en-US" sz="2000" dirty="0">
+              <a:rPr lang="en-US" sz="600" dirty="0">
                 <a:solidFill>
                   <a:schemeClr val="tx1"/>
                 </a:solidFill>
               </a:rPr>
-              <a:t>Play!</a:t>
-            </a:r>
-            <a:endParaRPr lang="en-CN" sz="2000" dirty="0">
-              <a:solidFill>
-                <a:schemeClr val="tx1"/>
-              </a:solidFill>
-            </a:endParaRPr>
-          </a:p>
-        </p:txBody>
-      </p:sp>
-      <p:sp>
-        <p:nvSpPr>
-          <p:cNvPr id="17" name="Rounded Rectangle 16">
-            <a:extLst>
-              <a:ext uri="{FF2B5EF4-FFF2-40B4-BE49-F238E27FC236}">
-                <a16:creationId xmlns:a16="http://schemas.microsoft.com/office/drawing/2014/main" id="{2D5AEA7D-8216-B44C-0427-683E9BB25490}"/>
-              </a:ext>
-            </a:extLst>
-          </p:cNvPr>
-          <p:cNvSpPr/>
-          <p:nvPr/>
-        </p:nvSpPr>
-        <p:spPr>
-          <a:xfrm rot="2700000">
-            <a:off x="10021384" y="3755265"/>
-            <a:ext cx="259560" cy="259560"/>
-          </a:xfrm>
-          <a:prstGeom prst="roundRect">
-            <a:avLst/>
-          </a:prstGeom>
-          <a:solidFill>
-            <a:schemeClr val="accent2">
-              <a:lumMod val="75000"/>
-            </a:schemeClr>
-          </a:solidFill>
-          <a:ln>
-            <a:noFill/>
-          </a:ln>
-        </p:spPr>
-        <p:style>
-          <a:lnRef idx="2">
-            <a:schemeClr val="accent1">
-              <a:shade val="15000"/>
-            </a:schemeClr>
-          </a:lnRef>
-          <a:fillRef idx="1">
-            <a:schemeClr val="accent1"/>
-          </a:fillRef>
-          <a:effectRef idx="0">
-            <a:schemeClr val="accent1"/>
-          </a:effectRef>
-          <a:fontRef idx="minor">
-            <a:schemeClr val="lt1"/>
-          </a:fontRef>
-        </p:style>
-        <p:txBody>
-          <a:bodyPr rtlCol="0" anchor="ctr"/>
-          <a:lstStyle/>
-          <a:p>
-            <a:pPr algn="ctr"/>
-            <a:endParaRPr lang="en-CN"/>
-          </a:p>
-        </p:txBody>
-      </p:sp>
-      <p:sp>
-        <p:nvSpPr>
-          <p:cNvPr id="18" name="Rounded Rectangle 17">
-            <a:extLst>
-              <a:ext uri="{FF2B5EF4-FFF2-40B4-BE49-F238E27FC236}">
-                <a16:creationId xmlns:a16="http://schemas.microsoft.com/office/drawing/2014/main" id="{FDBED827-2481-197D-6CC5-0A8D9C2D4EE2}"/>
-              </a:ext>
-            </a:extLst>
-          </p:cNvPr>
-          <p:cNvSpPr/>
-          <p:nvPr/>
-        </p:nvSpPr>
-        <p:spPr>
-          <a:xfrm rot="2700000">
-            <a:off x="9441056" y="3436243"/>
-            <a:ext cx="259560" cy="259560"/>
-          </a:xfrm>
-          <a:prstGeom prst="roundRect">
-            <a:avLst/>
-          </a:prstGeom>
-          <a:solidFill>
-            <a:schemeClr val="accent2">
-              <a:lumMod val="75000"/>
-            </a:schemeClr>
-          </a:solidFill>
-          <a:ln>
-            <a:noFill/>
-          </a:ln>
-        </p:spPr>
-        <p:style>
-          <a:lnRef idx="2">
-            <a:schemeClr val="accent1">
-              <a:shade val="15000"/>
-            </a:schemeClr>
-          </a:lnRef>
-          <a:fillRef idx="1">
-            <a:schemeClr val="accent1"/>
-          </a:fillRef>
-          <a:effectRef idx="0">
-            <a:schemeClr val="accent1"/>
-          </a:effectRef>
-          <a:fontRef idx="minor">
-            <a:schemeClr val="lt1"/>
-          </a:fontRef>
-        </p:style>
-        <p:txBody>
-          <a:bodyPr rtlCol="0" anchor="ctr"/>
-          <a:lstStyle/>
-          <a:p>
-            <a:pPr algn="ctr"/>
-            <a:endParaRPr lang="en-CN"/>
-          </a:p>
-        </p:txBody>
-      </p:sp>
-      <p:sp>
-        <p:nvSpPr>
-          <p:cNvPr id="19" name="Rounded Rectangle 18">
-            <a:extLst>
-              <a:ext uri="{FF2B5EF4-FFF2-40B4-BE49-F238E27FC236}">
-                <a16:creationId xmlns:a16="http://schemas.microsoft.com/office/drawing/2014/main" id="{CF5C95B8-ECB9-7AE2-007B-D0C34AF5D984}"/>
-              </a:ext>
-            </a:extLst>
-          </p:cNvPr>
-          <p:cNvSpPr/>
-          <p:nvPr/>
-        </p:nvSpPr>
-        <p:spPr>
-          <a:xfrm>
-            <a:off x="9400032" y="3499377"/>
-            <a:ext cx="824400" cy="550800"/>
-          </a:xfrm>
-          <a:prstGeom prst="roundRect">
-            <a:avLst/>
-          </a:prstGeom>
-          <a:solidFill>
-            <a:schemeClr val="accent2"/>
-          </a:solidFill>
-          <a:ln>
-            <a:noFill/>
-          </a:ln>
-        </p:spPr>
-        <p:style>
-          <a:lnRef idx="2">
-            <a:schemeClr val="accent1">
-              <a:shade val="15000"/>
-            </a:schemeClr>
-          </a:lnRef>
-          <a:fillRef idx="1">
-            <a:schemeClr val="accent1"/>
-          </a:fillRef>
-          <a:effectRef idx="0">
-            <a:schemeClr val="accent1"/>
-          </a:effectRef>
-          <a:fontRef idx="minor">
-            <a:schemeClr val="lt1"/>
-          </a:fontRef>
-        </p:style>
-        <p:txBody>
-          <a:bodyPr rtlCol="0" anchor="ctr"/>
-          <a:lstStyle/>
-          <a:p>
-            <a:pPr algn="ctr"/>
-            <a:r>
-              <a:rPr lang="en-US" sz="2000" dirty="0">
-                <a:solidFill>
-                  <a:schemeClr val="tx1"/>
-                </a:solidFill>
-              </a:rPr>
-              <a:t>Play!</a:t>
-            </a:r>
-            <a:endParaRPr lang="en-CN" sz="2000" dirty="0">
-              <a:solidFill>
-                <a:schemeClr val="tx1"/>
-              </a:solidFill>
-            </a:endParaRPr>
-          </a:p>
-        </p:txBody>
-      </p:sp>
-      <p:sp>
-        <p:nvSpPr>
-          <p:cNvPr id="20" name="Rounded Rectangle 19">
-            <a:extLst>
-              <a:ext uri="{FF2B5EF4-FFF2-40B4-BE49-F238E27FC236}">
-                <a16:creationId xmlns:a16="http://schemas.microsoft.com/office/drawing/2014/main" id="{9D2721E9-BB62-EE9A-73B5-C342E479BB94}"/>
-              </a:ext>
-            </a:extLst>
-          </p:cNvPr>
-          <p:cNvSpPr/>
-          <p:nvPr/>
-        </p:nvSpPr>
-        <p:spPr>
-          <a:xfrm>
-            <a:off x="7076176" y="1569720"/>
-            <a:ext cx="824400" cy="550800"/>
-          </a:xfrm>
-          <a:prstGeom prst="roundRect">
-            <a:avLst/>
-          </a:prstGeom>
-          <a:solidFill>
-            <a:schemeClr val="accent2"/>
-          </a:solidFill>
-          <a:ln>
-            <a:noFill/>
-          </a:ln>
-          <a:effectLst>
-            <a:innerShdw blurRad="93113" dist="50800" dir="8100000">
-              <a:prstClr val="black">
-                <a:alpha val="50000"/>
-              </a:prstClr>
-            </a:innerShdw>
-          </a:effectLst>
-        </p:spPr>
-        <p:style>
-          <a:lnRef idx="2">
-            <a:schemeClr val="accent1">
-              <a:shade val="15000"/>
-            </a:schemeClr>
-          </a:lnRef>
-          <a:fillRef idx="1">
-            <a:schemeClr val="accent1"/>
-          </a:fillRef>
-          <a:effectRef idx="0">
-            <a:schemeClr val="accent1"/>
-          </a:effectRef>
-          <a:fontRef idx="minor">
-            <a:schemeClr val="lt1"/>
-          </a:fontRef>
-        </p:style>
-        <p:txBody>
-          <a:bodyPr rtlCol="0" anchor="ctr"/>
-          <a:lstStyle/>
-          <a:p>
-            <a:pPr algn="ctr"/>
-            <a:r>
-              <a:rPr lang="en-US" sz="2000" dirty="0">
-                <a:solidFill>
-                  <a:schemeClr val="tx1"/>
-                </a:solidFill>
-              </a:rPr>
-              <a:t>Play!</a:t>
-            </a:r>
-            <a:endParaRPr lang="en-CN" sz="2000" dirty="0">
-              <a:solidFill>
-                <a:schemeClr val="tx1"/>
-              </a:solidFill>
-            </a:endParaRPr>
-          </a:p>
-        </p:txBody>
-      </p:sp>
-      <p:sp>
-        <p:nvSpPr>
-          <p:cNvPr id="21" name="Rounded Rectangle 20">
-            <a:extLst>
-              <a:ext uri="{FF2B5EF4-FFF2-40B4-BE49-F238E27FC236}">
-                <a16:creationId xmlns:a16="http://schemas.microsoft.com/office/drawing/2014/main" id="{49E680C5-99F4-488D-2D01-C156C45D7DAB}"/>
-              </a:ext>
-            </a:extLst>
-          </p:cNvPr>
-          <p:cNvSpPr/>
-          <p:nvPr/>
-        </p:nvSpPr>
-        <p:spPr>
-          <a:xfrm>
-            <a:off x="6996441" y="2831686"/>
-            <a:ext cx="824400" cy="550800"/>
-          </a:xfrm>
-          <a:prstGeom prst="roundRect">
-            <a:avLst/>
-          </a:prstGeom>
-          <a:solidFill>
-            <a:schemeClr val="accent2"/>
-          </a:solidFill>
-          <a:ln w="38100">
-            <a:solidFill>
-              <a:schemeClr val="tx1"/>
-            </a:solidFill>
-          </a:ln>
-        </p:spPr>
-        <p:style>
-          <a:lnRef idx="2">
-            <a:schemeClr val="accent1">
-              <a:shade val="15000"/>
-            </a:schemeClr>
-          </a:lnRef>
-          <a:fillRef idx="1">
-            <a:schemeClr val="accent1"/>
-          </a:fillRef>
-          <a:effectRef idx="0">
-            <a:schemeClr val="accent1"/>
-          </a:effectRef>
-          <a:fontRef idx="minor">
-            <a:schemeClr val="lt1"/>
-          </a:fontRef>
-        </p:style>
-        <p:txBody>
-          <a:bodyPr rtlCol="0" anchor="ctr"/>
-          <a:lstStyle/>
-          <a:p>
-            <a:pPr algn="ctr"/>
-            <a:r>
-              <a:rPr lang="en-US" sz="2000" dirty="0">
-                <a:solidFill>
-                  <a:schemeClr val="tx1"/>
-                </a:solidFill>
-              </a:rPr>
-              <a:t>Play!</a:t>
-            </a:r>
-            <a:endParaRPr lang="en-CN" sz="2000" dirty="0">
+              <a:t>Menu</a:t>
+            </a:r>
+            <a:endParaRPr lang="en-CN" sz="600" dirty="0">
               <a:solidFill>
                 <a:schemeClr val="tx1"/>
               </a:solidFill>
@@ -4363,7 +3491,7 @@
 <file path=ppt/theme/theme1.xml><?xml version="1.0" encoding="utf-8"?>
 <a:theme xmlns:a="http://schemas.openxmlformats.org/drawingml/2006/main" name="Office Theme">
   <a:themeElements>
-    <a:clrScheme name="Office">
+    <a:clrScheme name="Office Theme">
       <a:dk1>
         <a:sysClr val="windowText" lastClr="000000"/>
       </a:dk1>
@@ -4401,7 +3529,7 @@
         <a:srgbClr val="96607D"/>
       </a:folHlink>
     </a:clrScheme>
-    <a:fontScheme name="Office">
+    <a:fontScheme name="Office Theme">
       <a:majorFont>
         <a:latin typeface="Aptos Display" panose="02110004020202020204"/>
         <a:ea typeface=""/>
@@ -4507,7 +3635,7 @@
         <a:font script="Tfng" typeface="Ebrima"/>
       </a:minorFont>
     </a:fontScheme>
-    <a:fmtScheme name="Office">
+    <a:fmtScheme name="Office Theme">
       <a:fillStyleLst>
         <a:solidFill>
           <a:schemeClr val="phClr"/>
